--- a/Presentation.pptx
+++ b/Presentation.pptx
@@ -19,7 +19,8 @@
     <p:sldId id="271" r:id="rId13"/>
     <p:sldId id="268" r:id="rId14"/>
     <p:sldId id="270" r:id="rId15"/>
-    <p:sldId id="269" r:id="rId16"/>
+    <p:sldId id="272" r:id="rId16"/>
+    <p:sldId id="269" r:id="rId17"/>
   </p:sldIdLst>
   <p:sldSz cx="12192000" cy="6858000"/>
   <p:notesSz cx="6858000" cy="9144000"/>
@@ -176,7 +177,7 @@
           <a:noFill/>
           <a:extLst>
             <a:ext uri="{909E8E84-426E-40dd-AFC4-6F175D3DCCD1}">
-              <a14:hiddenFill xmlns="" xmlns:a14="http://schemas.microsoft.com/office/drawing/2010/main">
+              <a14:hiddenFill xmlns:a14="http://schemas.microsoft.com/office/drawing/2010/main" xmlns="">
                 <a:solidFill>
                   <a:srgbClr val="FFFFFF"/>
                 </a:solidFill>
@@ -236,7 +237,7 @@
             </a:ln>
             <a:extLst>
               <a:ext uri="{91240B29-F687-4f45-9708-019B960494DF}">
-                <a14:hiddenLine xmlns="" xmlns:a14="http://schemas.microsoft.com/office/drawing/2010/main" w="9525">
+                <a14:hiddenLine xmlns:a14="http://schemas.microsoft.com/office/drawing/2010/main" xmlns="" w="9525">
                   <a:solidFill>
                     <a:srgbClr val="000000"/>
                   </a:solidFill>
@@ -326,7 +327,7 @@
             </a:ln>
             <a:extLst>
               <a:ext uri="{91240B29-F687-4f45-9708-019B960494DF}">
-                <a14:hiddenLine xmlns="" xmlns:a14="http://schemas.microsoft.com/office/drawing/2010/main" w="9525">
+                <a14:hiddenLine xmlns:a14="http://schemas.microsoft.com/office/drawing/2010/main" xmlns="" w="9525">
                   <a:solidFill>
                     <a:srgbClr val="000000"/>
                   </a:solidFill>
@@ -416,7 +417,7 @@
             </a:ln>
             <a:extLst>
               <a:ext uri="{91240B29-F687-4f45-9708-019B960494DF}">
-                <a14:hiddenLine xmlns="" xmlns:a14="http://schemas.microsoft.com/office/drawing/2010/main" w="9525">
+                <a14:hiddenLine xmlns:a14="http://schemas.microsoft.com/office/drawing/2010/main" xmlns="" w="9525">
                   <a:solidFill>
                     <a:srgbClr val="000000"/>
                   </a:solidFill>
@@ -450,7 +451,7 @@
             </a:ln>
             <a:extLst>
               <a:ext uri="{91240B29-F687-4f45-9708-019B960494DF}">
-                <a14:hiddenLine xmlns="" xmlns:a14="http://schemas.microsoft.com/office/drawing/2010/main" w="9525">
+                <a14:hiddenLine xmlns:a14="http://schemas.microsoft.com/office/drawing/2010/main" xmlns="" w="9525">
                   <a:solidFill>
                     <a:srgbClr val="000000"/>
                   </a:solidFill>
@@ -540,7 +541,7 @@
             </a:ln>
             <a:extLst>
               <a:ext uri="{91240B29-F687-4f45-9708-019B960494DF}">
-                <a14:hiddenLine xmlns="" xmlns:a14="http://schemas.microsoft.com/office/drawing/2010/main" w="9525">
+                <a14:hiddenLine xmlns:a14="http://schemas.microsoft.com/office/drawing/2010/main" xmlns="" w="9525">
                   <a:solidFill>
                     <a:srgbClr val="000000"/>
                   </a:solidFill>
@@ -602,7 +603,7 @@
             </a:ln>
             <a:extLst>
               <a:ext uri="{91240B29-F687-4f45-9708-019B960494DF}">
-                <a14:hiddenLine xmlns="" xmlns:a14="http://schemas.microsoft.com/office/drawing/2010/main" w="9525">
+                <a14:hiddenLine xmlns:a14="http://schemas.microsoft.com/office/drawing/2010/main" xmlns="" w="9525">
                   <a:solidFill>
                     <a:srgbClr val="000000"/>
                   </a:solidFill>
@@ -664,7 +665,7 @@
             </a:ln>
             <a:extLst>
               <a:ext uri="{91240B29-F687-4f45-9708-019B960494DF}">
-                <a14:hiddenLine xmlns="" xmlns:a14="http://schemas.microsoft.com/office/drawing/2010/main" w="9525">
+                <a14:hiddenLine xmlns:a14="http://schemas.microsoft.com/office/drawing/2010/main" xmlns="" w="9525">
                   <a:solidFill>
                     <a:srgbClr val="000000"/>
                   </a:solidFill>
@@ -754,7 +755,7 @@
             </a:ln>
             <a:extLst>
               <a:ext uri="{91240B29-F687-4f45-9708-019B960494DF}">
-                <a14:hiddenLine xmlns="" xmlns:a14="http://schemas.microsoft.com/office/drawing/2010/main" w="9525">
+                <a14:hiddenLine xmlns:a14="http://schemas.microsoft.com/office/drawing/2010/main" xmlns="" w="9525">
                   <a:solidFill>
                     <a:srgbClr val="000000"/>
                   </a:solidFill>
@@ -816,7 +817,7 @@
             </a:ln>
             <a:extLst>
               <a:ext uri="{91240B29-F687-4f45-9708-019B960494DF}">
-                <a14:hiddenLine xmlns="" xmlns:a14="http://schemas.microsoft.com/office/drawing/2010/main" w="9525">
+                <a14:hiddenLine xmlns:a14="http://schemas.microsoft.com/office/drawing/2010/main" xmlns="" w="9525">
                   <a:solidFill>
                     <a:srgbClr val="000000"/>
                   </a:solidFill>
@@ -878,7 +879,7 @@
             </a:ln>
             <a:extLst>
               <a:ext uri="{91240B29-F687-4f45-9708-019B960494DF}">
-                <a14:hiddenLine xmlns="" xmlns:a14="http://schemas.microsoft.com/office/drawing/2010/main" w="9525">
+                <a14:hiddenLine xmlns:a14="http://schemas.microsoft.com/office/drawing/2010/main" xmlns="" w="9525">
                   <a:solidFill>
                     <a:srgbClr val="000000"/>
                   </a:solidFill>
@@ -968,7 +969,7 @@
             </a:ln>
             <a:extLst>
               <a:ext uri="{91240B29-F687-4f45-9708-019B960494DF}">
-                <a14:hiddenLine xmlns="" xmlns:a14="http://schemas.microsoft.com/office/drawing/2010/main" w="9525">
+                <a14:hiddenLine xmlns:a14="http://schemas.microsoft.com/office/drawing/2010/main" xmlns="" w="9525">
                   <a:solidFill>
                     <a:srgbClr val="000000"/>
                   </a:solidFill>
@@ -1058,7 +1059,7 @@
             </a:ln>
             <a:extLst>
               <a:ext uri="{91240B29-F687-4f45-9708-019B960494DF}">
-                <a14:hiddenLine xmlns="" xmlns:a14="http://schemas.microsoft.com/office/drawing/2010/main" w="9525">
+                <a14:hiddenLine xmlns:a14="http://schemas.microsoft.com/office/drawing/2010/main" xmlns="" w="9525">
                   <a:solidFill>
                     <a:srgbClr val="000000"/>
                   </a:solidFill>
@@ -1120,7 +1121,7 @@
             </a:ln>
             <a:extLst>
               <a:ext uri="{91240B29-F687-4f45-9708-019B960494DF}">
-                <a14:hiddenLine xmlns="" xmlns:a14="http://schemas.microsoft.com/office/drawing/2010/main" w="9525">
+                <a14:hiddenLine xmlns:a14="http://schemas.microsoft.com/office/drawing/2010/main" xmlns="" w="9525">
                   <a:solidFill>
                     <a:srgbClr val="000000"/>
                   </a:solidFill>
@@ -1230,7 +1231,7 @@
             </a:ln>
             <a:extLst>
               <a:ext uri="{91240B29-F687-4f45-9708-019B960494DF}">
-                <a14:hiddenLine xmlns="" xmlns:a14="http://schemas.microsoft.com/office/drawing/2010/main" w="9525">
+                <a14:hiddenLine xmlns:a14="http://schemas.microsoft.com/office/drawing/2010/main" xmlns="" w="9525">
                   <a:solidFill>
                     <a:srgbClr val="000000"/>
                   </a:solidFill>
@@ -1292,7 +1293,7 @@
             </a:ln>
             <a:extLst>
               <a:ext uri="{91240B29-F687-4f45-9708-019B960494DF}">
-                <a14:hiddenLine xmlns="" xmlns:a14="http://schemas.microsoft.com/office/drawing/2010/main" w="9525">
+                <a14:hiddenLine xmlns:a14="http://schemas.microsoft.com/office/drawing/2010/main" xmlns="" w="9525">
                   <a:solidFill>
                     <a:srgbClr val="000000"/>
                   </a:solidFill>
@@ -1382,7 +1383,7 @@
             </a:ln>
             <a:extLst>
               <a:ext uri="{91240B29-F687-4f45-9708-019B960494DF}">
-                <a14:hiddenLine xmlns="" xmlns:a14="http://schemas.microsoft.com/office/drawing/2010/main" w="9525">
+                <a14:hiddenLine xmlns:a14="http://schemas.microsoft.com/office/drawing/2010/main" xmlns="" w="9525">
                   <a:solidFill>
                     <a:srgbClr val="000000"/>
                   </a:solidFill>
@@ -1472,7 +1473,7 @@
             </a:ln>
             <a:extLst>
               <a:ext uri="{91240B29-F687-4f45-9708-019B960494DF}">
-                <a14:hiddenLine xmlns="" xmlns:a14="http://schemas.microsoft.com/office/drawing/2010/main" w="9525">
+                <a14:hiddenLine xmlns:a14="http://schemas.microsoft.com/office/drawing/2010/main" xmlns="" w="9525">
                   <a:solidFill>
                     <a:srgbClr val="000000"/>
                   </a:solidFill>
@@ -1534,7 +1535,7 @@
             </a:ln>
             <a:extLst>
               <a:ext uri="{91240B29-F687-4f45-9708-019B960494DF}">
-                <a14:hiddenLine xmlns="" xmlns:a14="http://schemas.microsoft.com/office/drawing/2010/main" w="9525">
+                <a14:hiddenLine xmlns:a14="http://schemas.microsoft.com/office/drawing/2010/main" xmlns="" w="9525">
                   <a:solidFill>
                     <a:srgbClr val="000000"/>
                   </a:solidFill>
@@ -1624,7 +1625,7 @@
             </a:ln>
             <a:extLst>
               <a:ext uri="{91240B29-F687-4f45-9708-019B960494DF}">
-                <a14:hiddenLine xmlns="" xmlns:a14="http://schemas.microsoft.com/office/drawing/2010/main" w="9525">
+                <a14:hiddenLine xmlns:a14="http://schemas.microsoft.com/office/drawing/2010/main" xmlns="" w="9525">
                   <a:solidFill>
                     <a:srgbClr val="000000"/>
                   </a:solidFill>
@@ -1714,7 +1715,7 @@
             </a:ln>
             <a:extLst>
               <a:ext uri="{91240B29-F687-4f45-9708-019B960494DF}">
-                <a14:hiddenLine xmlns="" xmlns:a14="http://schemas.microsoft.com/office/drawing/2010/main" w="9525">
+                <a14:hiddenLine xmlns:a14="http://schemas.microsoft.com/office/drawing/2010/main" xmlns="" w="9525">
                   <a:solidFill>
                     <a:srgbClr val="000000"/>
                   </a:solidFill>
@@ -1770,7 +1771,7 @@
             </a:ln>
             <a:extLst>
               <a:ext uri="{91240B29-F687-4f45-9708-019B960494DF}">
-                <a14:hiddenLine xmlns="" xmlns:a14="http://schemas.microsoft.com/office/drawing/2010/main" w="9525">
+                <a14:hiddenLine xmlns:a14="http://schemas.microsoft.com/office/drawing/2010/main" xmlns="" w="9525">
                   <a:solidFill>
                     <a:srgbClr val="000000"/>
                   </a:solidFill>
@@ -1860,7 +1861,7 @@
             </a:ln>
             <a:extLst>
               <a:ext uri="{91240B29-F687-4f45-9708-019B960494DF}">
-                <a14:hiddenLine xmlns="" xmlns:a14="http://schemas.microsoft.com/office/drawing/2010/main" w="9525">
+                <a14:hiddenLine xmlns:a14="http://schemas.microsoft.com/office/drawing/2010/main" xmlns="" w="9525">
                   <a:solidFill>
                     <a:srgbClr val="000000"/>
                   </a:solidFill>
@@ -1916,7 +1917,7 @@
             </a:ln>
             <a:extLst>
               <a:ext uri="{91240B29-F687-4f45-9708-019B960494DF}">
-                <a14:hiddenLine xmlns="" xmlns:a14="http://schemas.microsoft.com/office/drawing/2010/main" w="9525">
+                <a14:hiddenLine xmlns:a14="http://schemas.microsoft.com/office/drawing/2010/main" xmlns="" w="9525">
                   <a:solidFill>
                     <a:srgbClr val="000000"/>
                   </a:solidFill>
@@ -2006,7 +2007,7 @@
             </a:ln>
             <a:extLst>
               <a:ext uri="{91240B29-F687-4f45-9708-019B960494DF}">
-                <a14:hiddenLine xmlns="" xmlns:a14="http://schemas.microsoft.com/office/drawing/2010/main" w="9525">
+                <a14:hiddenLine xmlns:a14="http://schemas.microsoft.com/office/drawing/2010/main" xmlns="" w="9525">
                   <a:solidFill>
                     <a:srgbClr val="000000"/>
                   </a:solidFill>
@@ -2074,7 +2075,7 @@
             </a:ln>
             <a:extLst>
               <a:ext uri="{91240B29-F687-4f45-9708-019B960494DF}">
-                <a14:hiddenLine xmlns="" xmlns:a14="http://schemas.microsoft.com/office/drawing/2010/main" w="9525">
+                <a14:hiddenLine xmlns:a14="http://schemas.microsoft.com/office/drawing/2010/main" xmlns="" w="9525">
                   <a:solidFill>
                     <a:srgbClr val="000000"/>
                   </a:solidFill>
@@ -2164,7 +2165,7 @@
             </a:ln>
             <a:extLst>
               <a:ext uri="{91240B29-F687-4f45-9708-019B960494DF}">
-                <a14:hiddenLine xmlns="" xmlns:a14="http://schemas.microsoft.com/office/drawing/2010/main" w="9525">
+                <a14:hiddenLine xmlns:a14="http://schemas.microsoft.com/office/drawing/2010/main" xmlns="" w="9525">
                   <a:solidFill>
                     <a:srgbClr val="000000"/>
                   </a:solidFill>
@@ -2232,7 +2233,7 @@
             </a:ln>
             <a:extLst>
               <a:ext uri="{91240B29-F687-4f45-9708-019B960494DF}">
-                <a14:hiddenLine xmlns="" xmlns:a14="http://schemas.microsoft.com/office/drawing/2010/main" w="9525">
+                <a14:hiddenLine xmlns:a14="http://schemas.microsoft.com/office/drawing/2010/main" xmlns="" w="9525">
                   <a:solidFill>
                     <a:srgbClr val="000000"/>
                   </a:solidFill>
@@ -2322,7 +2323,7 @@
             </a:ln>
             <a:extLst>
               <a:ext uri="{91240B29-F687-4f45-9708-019B960494DF}">
-                <a14:hiddenLine xmlns="" xmlns:a14="http://schemas.microsoft.com/office/drawing/2010/main" w="9525">
+                <a14:hiddenLine xmlns:a14="http://schemas.microsoft.com/office/drawing/2010/main" xmlns="" w="9525">
                   <a:solidFill>
                     <a:srgbClr val="000000"/>
                   </a:solidFill>
@@ -2356,7 +2357,7 @@
             </a:ln>
             <a:extLst>
               <a:ext uri="{91240B29-F687-4f45-9708-019B960494DF}">
-                <a14:hiddenLine xmlns="" xmlns:a14="http://schemas.microsoft.com/office/drawing/2010/main" w="9525">
+                <a14:hiddenLine xmlns:a14="http://schemas.microsoft.com/office/drawing/2010/main" xmlns="" w="9525">
                   <a:solidFill>
                     <a:srgbClr val="000000"/>
                   </a:solidFill>
@@ -2446,7 +2447,7 @@
             </a:ln>
             <a:extLst>
               <a:ext uri="{91240B29-F687-4f45-9708-019B960494DF}">
-                <a14:hiddenLine xmlns="" xmlns:a14="http://schemas.microsoft.com/office/drawing/2010/main" w="9525">
+                <a14:hiddenLine xmlns:a14="http://schemas.microsoft.com/office/drawing/2010/main" xmlns="" w="9525">
                   <a:solidFill>
                     <a:srgbClr val="000000"/>
                   </a:solidFill>
@@ -2508,7 +2509,7 @@
             </a:ln>
             <a:extLst>
               <a:ext uri="{91240B29-F687-4f45-9708-019B960494DF}">
-                <a14:hiddenLine xmlns="" xmlns:a14="http://schemas.microsoft.com/office/drawing/2010/main" w="9525">
+                <a14:hiddenLine xmlns:a14="http://schemas.microsoft.com/office/drawing/2010/main" xmlns="" w="9525">
                   <a:solidFill>
                     <a:srgbClr val="000000"/>
                   </a:solidFill>
@@ -2570,7 +2571,7 @@
             </a:ln>
             <a:extLst>
               <a:ext uri="{91240B29-F687-4f45-9708-019B960494DF}">
-                <a14:hiddenLine xmlns="" xmlns:a14="http://schemas.microsoft.com/office/drawing/2010/main" w="9525">
+                <a14:hiddenLine xmlns:a14="http://schemas.microsoft.com/office/drawing/2010/main" xmlns="" w="9525">
                   <a:solidFill>
                     <a:srgbClr val="000000"/>
                   </a:solidFill>
@@ -2660,7 +2661,7 @@
             </a:ln>
             <a:extLst>
               <a:ext uri="{91240B29-F687-4f45-9708-019B960494DF}">
-                <a14:hiddenLine xmlns="" xmlns:a14="http://schemas.microsoft.com/office/drawing/2010/main" w="9525">
+                <a14:hiddenLine xmlns:a14="http://schemas.microsoft.com/office/drawing/2010/main" xmlns="" w="9525">
                   <a:solidFill>
                     <a:srgbClr val="000000"/>
                   </a:solidFill>
@@ -2728,7 +2729,7 @@
             </a:ln>
             <a:extLst>
               <a:ext uri="{91240B29-F687-4f45-9708-019B960494DF}">
-                <a14:hiddenLine xmlns="" xmlns:a14="http://schemas.microsoft.com/office/drawing/2010/main" w="9525">
+                <a14:hiddenLine xmlns:a14="http://schemas.microsoft.com/office/drawing/2010/main" xmlns="" w="9525">
                   <a:solidFill>
                     <a:srgbClr val="000000"/>
                   </a:solidFill>
@@ -2790,7 +2791,7 @@
             </a:ln>
             <a:extLst>
               <a:ext uri="{91240B29-F687-4f45-9708-019B960494DF}">
-                <a14:hiddenLine xmlns="" xmlns:a14="http://schemas.microsoft.com/office/drawing/2010/main" w="9525">
+                <a14:hiddenLine xmlns:a14="http://schemas.microsoft.com/office/drawing/2010/main" xmlns="" w="9525">
                   <a:solidFill>
                     <a:srgbClr val="000000"/>
                   </a:solidFill>
@@ -2880,7 +2881,7 @@
             </a:ln>
             <a:extLst>
               <a:ext uri="{91240B29-F687-4f45-9708-019B960494DF}">
-                <a14:hiddenLine xmlns="" xmlns:a14="http://schemas.microsoft.com/office/drawing/2010/main" w="9525">
+                <a14:hiddenLine xmlns:a14="http://schemas.microsoft.com/office/drawing/2010/main" xmlns="" w="9525">
                   <a:solidFill>
                     <a:srgbClr val="000000"/>
                   </a:solidFill>
@@ -2942,7 +2943,7 @@
             </a:ln>
             <a:extLst>
               <a:ext uri="{91240B29-F687-4f45-9708-019B960494DF}">
-                <a14:hiddenLine xmlns="" xmlns:a14="http://schemas.microsoft.com/office/drawing/2010/main" w="9525">
+                <a14:hiddenLine xmlns:a14="http://schemas.microsoft.com/office/drawing/2010/main" xmlns="" w="9525">
                   <a:solidFill>
                     <a:srgbClr val="000000"/>
                   </a:solidFill>
@@ -3032,7 +3033,7 @@
             </a:ln>
             <a:extLst>
               <a:ext uri="{91240B29-F687-4f45-9708-019B960494DF}">
-                <a14:hiddenLine xmlns="" xmlns:a14="http://schemas.microsoft.com/office/drawing/2010/main" w="9525">
+                <a14:hiddenLine xmlns:a14="http://schemas.microsoft.com/office/drawing/2010/main" xmlns="" w="9525">
                   <a:solidFill>
                     <a:srgbClr val="000000"/>
                   </a:solidFill>
@@ -3094,7 +3095,7 @@
             </a:ln>
             <a:extLst>
               <a:ext uri="{91240B29-F687-4f45-9708-019B960494DF}">
-                <a14:hiddenLine xmlns="" xmlns:a14="http://schemas.microsoft.com/office/drawing/2010/main" w="9525">
+                <a14:hiddenLine xmlns:a14="http://schemas.microsoft.com/office/drawing/2010/main" xmlns="" w="9525">
                   <a:solidFill>
                     <a:srgbClr val="000000"/>
                   </a:solidFill>
@@ -3184,7 +3185,7 @@
             </a:ln>
             <a:extLst>
               <a:ext uri="{91240B29-F687-4f45-9708-019B960494DF}">
-                <a14:hiddenLine xmlns="" xmlns:a14="http://schemas.microsoft.com/office/drawing/2010/main" w="9525">
+                <a14:hiddenLine xmlns:a14="http://schemas.microsoft.com/office/drawing/2010/main" xmlns="" w="9525">
                   <a:solidFill>
                     <a:srgbClr val="000000"/>
                   </a:solidFill>
@@ -3218,7 +3219,7 @@
             </a:ln>
             <a:extLst>
               <a:ext uri="{91240B29-F687-4f45-9708-019B960494DF}">
-                <a14:hiddenLine xmlns="" xmlns:a14="http://schemas.microsoft.com/office/drawing/2010/main" w="9525">
+                <a14:hiddenLine xmlns:a14="http://schemas.microsoft.com/office/drawing/2010/main" xmlns="" w="9525">
                   <a:solidFill>
                     <a:srgbClr val="000000"/>
                   </a:solidFill>
@@ -3283,7 +3284,7 @@
             </a:ln>
             <a:extLst>
               <a:ext uri="{91240B29-F687-4f45-9708-019B960494DF}">
-                <a14:hiddenLine xmlns="" xmlns:a14="http://schemas.microsoft.com/office/drawing/2010/main" w="9525">
+                <a14:hiddenLine xmlns:a14="http://schemas.microsoft.com/office/drawing/2010/main" xmlns="" w="9525">
                   <a:solidFill>
                     <a:srgbClr val="000000"/>
                   </a:solidFill>
@@ -3373,7 +3374,7 @@
             </a:ln>
             <a:extLst>
               <a:ext uri="{91240B29-F687-4f45-9708-019B960494DF}">
-                <a14:hiddenLine xmlns="" xmlns:a14="http://schemas.microsoft.com/office/drawing/2010/main" w="9525">
+                <a14:hiddenLine xmlns:a14="http://schemas.microsoft.com/office/drawing/2010/main" xmlns="" w="9525">
                   <a:solidFill>
                     <a:srgbClr val="000000"/>
                   </a:solidFill>
@@ -3435,7 +3436,7 @@
             </a:ln>
             <a:extLst>
               <a:ext uri="{91240B29-F687-4f45-9708-019B960494DF}">
-                <a14:hiddenLine xmlns="" xmlns:a14="http://schemas.microsoft.com/office/drawing/2010/main" w="9525">
+                <a14:hiddenLine xmlns:a14="http://schemas.microsoft.com/office/drawing/2010/main" xmlns="" w="9525">
                   <a:solidFill>
                     <a:srgbClr val="000000"/>
                   </a:solidFill>
@@ -3525,7 +3526,7 @@
             </a:ln>
             <a:extLst>
               <a:ext uri="{91240B29-F687-4f45-9708-019B960494DF}">
-                <a14:hiddenLine xmlns="" xmlns:a14="http://schemas.microsoft.com/office/drawing/2010/main" w="9525">
+                <a14:hiddenLine xmlns:a14="http://schemas.microsoft.com/office/drawing/2010/main" xmlns="" w="9525">
                   <a:solidFill>
                     <a:srgbClr val="000000"/>
                   </a:solidFill>
@@ -3615,7 +3616,7 @@
             </a:ln>
             <a:extLst>
               <a:ext uri="{91240B29-F687-4f45-9708-019B960494DF}">
-                <a14:hiddenLine xmlns="" xmlns:a14="http://schemas.microsoft.com/office/drawing/2010/main" w="9525">
+                <a14:hiddenLine xmlns:a14="http://schemas.microsoft.com/office/drawing/2010/main" xmlns="" w="9525">
                   <a:solidFill>
                     <a:srgbClr val="000000"/>
                   </a:solidFill>
@@ -3680,7 +3681,7 @@
             </a:ln>
             <a:extLst>
               <a:ext uri="{91240B29-F687-4f45-9708-019B960494DF}">
-                <a14:hiddenLine xmlns="" xmlns:a14="http://schemas.microsoft.com/office/drawing/2010/main" w="9525">
+                <a14:hiddenLine xmlns:a14="http://schemas.microsoft.com/office/drawing/2010/main" xmlns="" w="9525">
                   <a:solidFill>
                     <a:srgbClr val="000000"/>
                   </a:solidFill>
@@ -3742,7 +3743,7 @@
             </a:ln>
             <a:extLst>
               <a:ext uri="{91240B29-F687-4f45-9708-019B960494DF}">
-                <a14:hiddenLine xmlns="" xmlns:a14="http://schemas.microsoft.com/office/drawing/2010/main" w="9525">
+                <a14:hiddenLine xmlns:a14="http://schemas.microsoft.com/office/drawing/2010/main" xmlns="" w="9525">
                   <a:solidFill>
                     <a:srgbClr val="000000"/>
                   </a:solidFill>
@@ -3832,7 +3833,7 @@
             </a:ln>
             <a:extLst>
               <a:ext uri="{91240B29-F687-4f45-9708-019B960494DF}">
-                <a14:hiddenLine xmlns="" xmlns:a14="http://schemas.microsoft.com/office/drawing/2010/main" w="9525">
+                <a14:hiddenLine xmlns:a14="http://schemas.microsoft.com/office/drawing/2010/main" xmlns="" w="9525">
                   <a:solidFill>
                     <a:srgbClr val="000000"/>
                   </a:solidFill>
@@ -3922,7 +3923,7 @@
             </a:ln>
             <a:extLst>
               <a:ext uri="{91240B29-F687-4f45-9708-019B960494DF}">
-                <a14:hiddenLine xmlns="" xmlns:a14="http://schemas.microsoft.com/office/drawing/2010/main" w="9525">
+                <a14:hiddenLine xmlns:a14="http://schemas.microsoft.com/office/drawing/2010/main" xmlns="" w="9525">
                   <a:solidFill>
                     <a:srgbClr val="000000"/>
                   </a:solidFill>
@@ -3984,7 +3985,7 @@
             </a:ln>
             <a:extLst>
               <a:ext uri="{91240B29-F687-4f45-9708-019B960494DF}">
-                <a14:hiddenLine xmlns="" xmlns:a14="http://schemas.microsoft.com/office/drawing/2010/main" w="9525">
+                <a14:hiddenLine xmlns:a14="http://schemas.microsoft.com/office/drawing/2010/main" xmlns="" w="9525">
                   <a:solidFill>
                     <a:srgbClr val="000000"/>
                   </a:solidFill>
@@ -4104,7 +4105,7 @@
             </a:ln>
             <a:extLst>
               <a:ext uri="{91240B29-F687-4f45-9708-019B960494DF}">
-                <a14:hiddenLine xmlns="" xmlns:a14="http://schemas.microsoft.com/office/drawing/2010/main" w="9525">
+                <a14:hiddenLine xmlns:a14="http://schemas.microsoft.com/office/drawing/2010/main" xmlns="" w="9525">
                   <a:solidFill>
                     <a:srgbClr val="000000"/>
                   </a:solidFill>
@@ -4172,7 +4173,7 @@
             </a:ln>
             <a:extLst>
               <a:ext uri="{91240B29-F687-4f45-9708-019B960494DF}">
-                <a14:hiddenLine xmlns="" xmlns:a14="http://schemas.microsoft.com/office/drawing/2010/main" w="9525">
+                <a14:hiddenLine xmlns:a14="http://schemas.microsoft.com/office/drawing/2010/main" xmlns="" w="9525">
                   <a:solidFill>
                     <a:srgbClr val="000000"/>
                   </a:solidFill>
@@ -4262,7 +4263,7 @@
             </a:ln>
             <a:extLst>
               <a:ext uri="{91240B29-F687-4f45-9708-019B960494DF}">
-                <a14:hiddenLine xmlns="" xmlns:a14="http://schemas.microsoft.com/office/drawing/2010/main" w="9525">
+                <a14:hiddenLine xmlns:a14="http://schemas.microsoft.com/office/drawing/2010/main" xmlns="" w="9525">
                   <a:solidFill>
                     <a:srgbClr val="000000"/>
                   </a:solidFill>
@@ -4402,7 +4403,7 @@
           <a:p>
             <a:fld id="{48A87A34-81AB-432B-8DAE-1953F412C126}" type="datetimeFigureOut">
               <a:rPr lang="en-US" dirty="0"/>
-              <a:t>11/8/19</a:t>
+              <a:t>11/11/19</a:t>
             </a:fld>
             <a:endParaRPr lang="en-US" dirty="0"/>
           </a:p>
@@ -4664,7 +4665,7 @@
           <a:p>
             <a:fld id="{48A87A34-81AB-432B-8DAE-1953F412C126}" type="datetimeFigureOut">
               <a:rPr lang="en-US" dirty="0"/>
-              <a:t>11/8/19</a:t>
+              <a:t>11/11/19</a:t>
             </a:fld>
             <a:endParaRPr lang="en-US" dirty="0"/>
           </a:p>
@@ -4855,7 +4856,7 @@
           <a:p>
             <a:fld id="{48A87A34-81AB-432B-8DAE-1953F412C126}" type="datetimeFigureOut">
               <a:rPr lang="en-US" dirty="0"/>
-              <a:t>11/8/19</a:t>
+              <a:t>11/11/19</a:t>
             </a:fld>
             <a:endParaRPr lang="en-US" dirty="0"/>
           </a:p>
@@ -5113,7 +5114,7 @@
           <a:p>
             <a:fld id="{48A87A34-81AB-432B-8DAE-1953F412C126}" type="datetimeFigureOut">
               <a:rPr lang="en-US" dirty="0"/>
-              <a:t>11/8/19</a:t>
+              <a:t>11/11/19</a:t>
             </a:fld>
             <a:endParaRPr lang="en-US" dirty="0"/>
           </a:p>
@@ -5542,7 +5543,7 @@
           <a:p>
             <a:fld id="{48A87A34-81AB-432B-8DAE-1953F412C126}" type="datetimeFigureOut">
               <a:rPr lang="en-US" dirty="0"/>
-              <a:t>11/8/19</a:t>
+              <a:t>11/11/19</a:t>
             </a:fld>
             <a:endParaRPr lang="en-US" dirty="0"/>
           </a:p>
@@ -6083,7 +6084,7 @@
           <a:p>
             <a:fld id="{48A87A34-81AB-432B-8DAE-1953F412C126}" type="datetimeFigureOut">
               <a:rPr lang="en-US" dirty="0"/>
-              <a:t>11/8/19</a:t>
+              <a:t>11/11/19</a:t>
             </a:fld>
             <a:endParaRPr lang="en-US" dirty="0"/>
           </a:p>
@@ -6798,7 +6799,7 @@
           <a:p>
             <a:fld id="{48A87A34-81AB-432B-8DAE-1953F412C126}" type="datetimeFigureOut">
               <a:rPr lang="en-US" dirty="0"/>
-              <a:t>11/8/19</a:t>
+              <a:t>11/11/19</a:t>
             </a:fld>
             <a:endParaRPr lang="en-US" dirty="0"/>
           </a:p>
@@ -6963,7 +6964,7 @@
           <a:p>
             <a:fld id="{48A87A34-81AB-432B-8DAE-1953F412C126}" type="datetimeFigureOut">
               <a:rPr lang="en-US" dirty="0"/>
-              <a:t>11/8/19</a:t>
+              <a:t>11/11/19</a:t>
             </a:fld>
             <a:endParaRPr lang="en-US" dirty="0"/>
           </a:p>
@@ -7138,7 +7139,7 @@
           <a:p>
             <a:fld id="{48A87A34-81AB-432B-8DAE-1953F412C126}" type="datetimeFigureOut">
               <a:rPr lang="en-US" dirty="0"/>
-              <a:t>11/8/19</a:t>
+              <a:t>11/11/19</a:t>
             </a:fld>
             <a:endParaRPr lang="en-US" dirty="0"/>
           </a:p>
@@ -7303,7 +7304,7 @@
           <a:p>
             <a:fld id="{48A87A34-81AB-432B-8DAE-1953F412C126}" type="datetimeFigureOut">
               <a:rPr lang="en-US" dirty="0"/>
-              <a:t>11/8/19</a:t>
+              <a:t>11/11/19</a:t>
             </a:fld>
             <a:endParaRPr lang="en-US" dirty="0"/>
           </a:p>
@@ -7548,7 +7549,7 @@
           <a:p>
             <a:fld id="{48A87A34-81AB-432B-8DAE-1953F412C126}" type="datetimeFigureOut">
               <a:rPr lang="en-US" dirty="0"/>
-              <a:t>11/8/19</a:t>
+              <a:t>11/11/19</a:t>
             </a:fld>
             <a:endParaRPr lang="en-US" dirty="0"/>
           </a:p>
@@ -7775,7 +7776,7 @@
           <a:p>
             <a:fld id="{48A87A34-81AB-432B-8DAE-1953F412C126}" type="datetimeFigureOut">
               <a:rPr lang="en-US" dirty="0"/>
-              <a:t>11/8/19</a:t>
+              <a:t>11/11/19</a:t>
             </a:fld>
             <a:endParaRPr lang="en-US" dirty="0"/>
           </a:p>
@@ -8151,7 +8152,7 @@
           <a:p>
             <a:fld id="{48A87A34-81AB-432B-8DAE-1953F412C126}" type="datetimeFigureOut">
               <a:rPr lang="en-US" dirty="0"/>
-              <a:t>11/8/19</a:t>
+              <a:t>11/11/19</a:t>
             </a:fld>
             <a:endParaRPr lang="en-US" dirty="0"/>
           </a:p>
@@ -8264,7 +8265,7 @@
           <a:p>
             <a:fld id="{48A87A34-81AB-432B-8DAE-1953F412C126}" type="datetimeFigureOut">
               <a:rPr lang="en-US" dirty="0"/>
-              <a:t>11/8/19</a:t>
+              <a:t>11/11/19</a:t>
             </a:fld>
             <a:endParaRPr lang="en-US" dirty="0"/>
           </a:p>
@@ -8354,7 +8355,7 @@
           <a:p>
             <a:fld id="{48A87A34-81AB-432B-8DAE-1953F412C126}" type="datetimeFigureOut">
               <a:rPr lang="en-US" dirty="0"/>
-              <a:t>11/8/19</a:t>
+              <a:t>11/11/19</a:t>
             </a:fld>
             <a:endParaRPr lang="en-US" dirty="0"/>
           </a:p>
@@ -8598,7 +8599,7 @@
           <a:p>
             <a:fld id="{48A87A34-81AB-432B-8DAE-1953F412C126}" type="datetimeFigureOut">
               <a:rPr lang="en-US" dirty="0"/>
-              <a:t>11/8/19</a:t>
+              <a:t>11/11/19</a:t>
             </a:fld>
             <a:endParaRPr lang="en-US" dirty="0"/>
           </a:p>
@@ -8873,7 +8874,7 @@
           <a:p>
             <a:fld id="{48A87A34-81AB-432B-8DAE-1953F412C126}" type="datetimeFigureOut">
               <a:rPr lang="en-US" dirty="0"/>
-              <a:t>11/8/19</a:t>
+              <a:t>11/11/19</a:t>
             </a:fld>
             <a:endParaRPr lang="en-US" dirty="0"/>
           </a:p>
@@ -8984,7 +8985,7 @@
           <a:noFill/>
           <a:extLst>
             <a:ext uri="{909E8E84-426E-40dd-AFC4-6F175D3DCCD1}">
-              <a14:hiddenFill xmlns="" xmlns:a14="http://schemas.microsoft.com/office/drawing/2010/main">
+              <a14:hiddenFill xmlns:a14="http://schemas.microsoft.com/office/drawing/2010/main" xmlns="">
                 <a:solidFill>
                   <a:srgbClr val="FFFFFF"/>
                 </a:solidFill>
@@ -9058,7 +9059,7 @@
               </a:ln>
               <a:extLst>
                 <a:ext uri="{91240B29-F687-4f45-9708-019B960494DF}">
-                  <a14:hiddenLine xmlns="" xmlns:a14="http://schemas.microsoft.com/office/drawing/2010/main" w="9525">
+                  <a14:hiddenLine xmlns:a14="http://schemas.microsoft.com/office/drawing/2010/main" xmlns="" w="9525">
                     <a:solidFill>
                       <a:srgbClr val="000000"/>
                     </a:solidFill>
@@ -9148,7 +9149,7 @@
               </a:ln>
               <a:extLst>
                 <a:ext uri="{91240B29-F687-4f45-9708-019B960494DF}">
-                  <a14:hiddenLine xmlns="" xmlns:a14="http://schemas.microsoft.com/office/drawing/2010/main" w="9525">
+                  <a14:hiddenLine xmlns:a14="http://schemas.microsoft.com/office/drawing/2010/main" xmlns="" w="9525">
                     <a:solidFill>
                       <a:srgbClr val="000000"/>
                     </a:solidFill>
@@ -9238,7 +9239,7 @@
               </a:ln>
               <a:extLst>
                 <a:ext uri="{91240B29-F687-4f45-9708-019B960494DF}">
-                  <a14:hiddenLine xmlns="" xmlns:a14="http://schemas.microsoft.com/office/drawing/2010/main" w="9525">
+                  <a14:hiddenLine xmlns:a14="http://schemas.microsoft.com/office/drawing/2010/main" xmlns="" w="9525">
                     <a:solidFill>
                       <a:srgbClr val="000000"/>
                     </a:solidFill>
@@ -9300,7 +9301,7 @@
               </a:ln>
               <a:extLst>
                 <a:ext uri="{91240B29-F687-4f45-9708-019B960494DF}">
-                  <a14:hiddenLine xmlns="" xmlns:a14="http://schemas.microsoft.com/office/drawing/2010/main" w="9525">
+                  <a14:hiddenLine xmlns:a14="http://schemas.microsoft.com/office/drawing/2010/main" xmlns="" w="9525">
                     <a:solidFill>
                       <a:srgbClr val="000000"/>
                     </a:solidFill>
@@ -9390,7 +9391,7 @@
               </a:ln>
               <a:extLst>
                 <a:ext uri="{91240B29-F687-4f45-9708-019B960494DF}">
-                  <a14:hiddenLine xmlns="" xmlns:a14="http://schemas.microsoft.com/office/drawing/2010/main" w="9525">
+                  <a14:hiddenLine xmlns:a14="http://schemas.microsoft.com/office/drawing/2010/main" xmlns="" w="9525">
                     <a:solidFill>
                       <a:srgbClr val="000000"/>
                     </a:solidFill>
@@ -9452,7 +9453,7 @@
               </a:ln>
               <a:extLst>
                 <a:ext uri="{91240B29-F687-4f45-9708-019B960494DF}">
-                  <a14:hiddenLine xmlns="" xmlns:a14="http://schemas.microsoft.com/office/drawing/2010/main" w="9525">
+                  <a14:hiddenLine xmlns:a14="http://schemas.microsoft.com/office/drawing/2010/main" xmlns="" w="9525">
                     <a:solidFill>
                       <a:srgbClr val="000000"/>
                     </a:solidFill>
@@ -9514,7 +9515,7 @@
               </a:ln>
               <a:extLst>
                 <a:ext uri="{91240B29-F687-4f45-9708-019B960494DF}">
-                  <a14:hiddenLine xmlns="" xmlns:a14="http://schemas.microsoft.com/office/drawing/2010/main" w="9525">
+                  <a14:hiddenLine xmlns:a14="http://schemas.microsoft.com/office/drawing/2010/main" xmlns="" w="9525">
                     <a:solidFill>
                       <a:srgbClr val="000000"/>
                     </a:solidFill>
@@ -9604,7 +9605,7 @@
               </a:ln>
               <a:extLst>
                 <a:ext uri="{91240B29-F687-4f45-9708-019B960494DF}">
-                  <a14:hiddenLine xmlns="" xmlns:a14="http://schemas.microsoft.com/office/drawing/2010/main" w="9525">
+                  <a14:hiddenLine xmlns:a14="http://schemas.microsoft.com/office/drawing/2010/main" xmlns="" w="9525">
                     <a:solidFill>
                       <a:srgbClr val="000000"/>
                     </a:solidFill>
@@ -9694,7 +9695,7 @@
               </a:ln>
               <a:extLst>
                 <a:ext uri="{91240B29-F687-4f45-9708-019B960494DF}">
-                  <a14:hiddenLine xmlns="" xmlns:a14="http://schemas.microsoft.com/office/drawing/2010/main" w="9525">
+                  <a14:hiddenLine xmlns:a14="http://schemas.microsoft.com/office/drawing/2010/main" xmlns="" w="9525">
                     <a:solidFill>
                       <a:srgbClr val="000000"/>
                     </a:solidFill>
@@ -9756,7 +9757,7 @@
               </a:ln>
               <a:extLst>
                 <a:ext uri="{91240B29-F687-4f45-9708-019B960494DF}">
-                  <a14:hiddenLine xmlns="" xmlns:a14="http://schemas.microsoft.com/office/drawing/2010/main" w="9525">
+                  <a14:hiddenLine xmlns:a14="http://schemas.microsoft.com/office/drawing/2010/main" xmlns="" w="9525">
                     <a:solidFill>
                       <a:srgbClr val="000000"/>
                     </a:solidFill>
@@ -9866,7 +9867,7 @@
               </a:ln>
               <a:extLst>
                 <a:ext uri="{91240B29-F687-4f45-9708-019B960494DF}">
-                  <a14:hiddenLine xmlns="" xmlns:a14="http://schemas.microsoft.com/office/drawing/2010/main" w="9525">
+                  <a14:hiddenLine xmlns:a14="http://schemas.microsoft.com/office/drawing/2010/main" xmlns="" w="9525">
                     <a:solidFill>
                       <a:srgbClr val="000000"/>
                     </a:solidFill>
@@ -9950,7 +9951,7 @@
               </a:ln>
               <a:extLst>
                 <a:ext uri="{91240B29-F687-4f45-9708-019B960494DF}">
-                  <a14:hiddenLine xmlns="" xmlns:a14="http://schemas.microsoft.com/office/drawing/2010/main" w="9525">
+                  <a14:hiddenLine xmlns:a14="http://schemas.microsoft.com/office/drawing/2010/main" xmlns="" w="9525">
                     <a:solidFill>
                       <a:srgbClr val="000000"/>
                     </a:solidFill>
@@ -10012,7 +10013,7 @@
               </a:ln>
               <a:extLst>
                 <a:ext uri="{91240B29-F687-4f45-9708-019B960494DF}">
-                  <a14:hiddenLine xmlns="" xmlns:a14="http://schemas.microsoft.com/office/drawing/2010/main" w="9525">
+                  <a14:hiddenLine xmlns:a14="http://schemas.microsoft.com/office/drawing/2010/main" xmlns="" w="9525">
                     <a:solidFill>
                       <a:srgbClr val="000000"/>
                     </a:solidFill>
@@ -10074,7 +10075,7 @@
               </a:ln>
               <a:extLst>
                 <a:ext uri="{91240B29-F687-4f45-9708-019B960494DF}">
-                  <a14:hiddenLine xmlns="" xmlns:a14="http://schemas.microsoft.com/office/drawing/2010/main" w="9525">
+                  <a14:hiddenLine xmlns:a14="http://schemas.microsoft.com/office/drawing/2010/main" xmlns="" w="9525">
                     <a:solidFill>
                       <a:srgbClr val="000000"/>
                     </a:solidFill>
@@ -10164,7 +10165,7 @@
               </a:ln>
               <a:extLst>
                 <a:ext uri="{91240B29-F687-4f45-9708-019B960494DF}">
-                  <a14:hiddenLine xmlns="" xmlns:a14="http://schemas.microsoft.com/office/drawing/2010/main" w="9525">
+                  <a14:hiddenLine xmlns:a14="http://schemas.microsoft.com/office/drawing/2010/main" xmlns="" w="9525">
                     <a:solidFill>
                       <a:srgbClr val="000000"/>
                     </a:solidFill>
@@ -10198,7 +10199,7 @@
               </a:ln>
               <a:extLst>
                 <a:ext uri="{91240B29-F687-4f45-9708-019B960494DF}">
-                  <a14:hiddenLine xmlns="" xmlns:a14="http://schemas.microsoft.com/office/drawing/2010/main" w="9525">
+                  <a14:hiddenLine xmlns:a14="http://schemas.microsoft.com/office/drawing/2010/main" xmlns="" w="9525">
                     <a:solidFill>
                       <a:srgbClr val="000000"/>
                     </a:solidFill>
@@ -10263,7 +10264,7 @@
               </a:ln>
               <a:extLst>
                 <a:ext uri="{91240B29-F687-4f45-9708-019B960494DF}">
-                  <a14:hiddenLine xmlns="" xmlns:a14="http://schemas.microsoft.com/office/drawing/2010/main" w="9525">
+                  <a14:hiddenLine xmlns:a14="http://schemas.microsoft.com/office/drawing/2010/main" xmlns="" w="9525">
                     <a:solidFill>
                       <a:srgbClr val="000000"/>
                     </a:solidFill>
@@ -10353,7 +10354,7 @@
               </a:ln>
               <a:extLst>
                 <a:ext uri="{91240B29-F687-4f45-9708-019B960494DF}">
-                  <a14:hiddenLine xmlns="" xmlns:a14="http://schemas.microsoft.com/office/drawing/2010/main" w="9525">
+                  <a14:hiddenLine xmlns:a14="http://schemas.microsoft.com/office/drawing/2010/main" xmlns="" w="9525">
                     <a:solidFill>
                       <a:srgbClr val="000000"/>
                     </a:solidFill>
@@ -10415,7 +10416,7 @@
               </a:ln>
               <a:extLst>
                 <a:ext uri="{91240B29-F687-4f45-9708-019B960494DF}">
-                  <a14:hiddenLine xmlns="" xmlns:a14="http://schemas.microsoft.com/office/drawing/2010/main" w="9525">
+                  <a14:hiddenLine xmlns:a14="http://schemas.microsoft.com/office/drawing/2010/main" xmlns="" w="9525">
                     <a:solidFill>
                       <a:srgbClr val="000000"/>
                     </a:solidFill>
@@ -10505,7 +10506,7 @@
               </a:ln>
               <a:extLst>
                 <a:ext uri="{91240B29-F687-4f45-9708-019B960494DF}">
-                  <a14:hiddenLine xmlns="" xmlns:a14="http://schemas.microsoft.com/office/drawing/2010/main" w="9525">
+                  <a14:hiddenLine xmlns:a14="http://schemas.microsoft.com/office/drawing/2010/main" xmlns="" w="9525">
                     <a:solidFill>
                       <a:srgbClr val="000000"/>
                     </a:solidFill>
@@ -10570,7 +10571,7 @@
               </a:ln>
               <a:extLst>
                 <a:ext uri="{91240B29-F687-4f45-9708-019B960494DF}">
-                  <a14:hiddenLine xmlns="" xmlns:a14="http://schemas.microsoft.com/office/drawing/2010/main" w="9525">
+                  <a14:hiddenLine xmlns:a14="http://schemas.microsoft.com/office/drawing/2010/main" xmlns="" w="9525">
                     <a:solidFill>
                       <a:srgbClr val="000000"/>
                     </a:solidFill>
@@ -10632,7 +10633,7 @@
               </a:ln>
               <a:extLst>
                 <a:ext uri="{91240B29-F687-4f45-9708-019B960494DF}">
-                  <a14:hiddenLine xmlns="" xmlns:a14="http://schemas.microsoft.com/office/drawing/2010/main" w="9525">
+                  <a14:hiddenLine xmlns:a14="http://schemas.microsoft.com/office/drawing/2010/main" xmlns="" w="9525">
                     <a:solidFill>
                       <a:srgbClr val="000000"/>
                     </a:solidFill>
@@ -10722,7 +10723,7 @@
               </a:ln>
               <a:extLst>
                 <a:ext uri="{91240B29-F687-4f45-9708-019B960494DF}">
-                  <a14:hiddenLine xmlns="" xmlns:a14="http://schemas.microsoft.com/office/drawing/2010/main" w="9525">
+                  <a14:hiddenLine xmlns:a14="http://schemas.microsoft.com/office/drawing/2010/main" xmlns="" w="9525">
                     <a:solidFill>
                       <a:srgbClr val="000000"/>
                     </a:solidFill>
@@ -10812,7 +10813,7 @@
               </a:ln>
               <a:extLst>
                 <a:ext uri="{91240B29-F687-4f45-9708-019B960494DF}">
-                  <a14:hiddenLine xmlns="" xmlns:a14="http://schemas.microsoft.com/office/drawing/2010/main" w="9525">
+                  <a14:hiddenLine xmlns:a14="http://schemas.microsoft.com/office/drawing/2010/main" xmlns="" w="9525">
                     <a:solidFill>
                       <a:srgbClr val="000000"/>
                     </a:solidFill>
@@ -10877,7 +10878,7 @@
               </a:ln>
               <a:extLst>
                 <a:ext uri="{91240B29-F687-4f45-9708-019B960494DF}">
-                  <a14:hiddenLine xmlns="" xmlns:a14="http://schemas.microsoft.com/office/drawing/2010/main" w="9525">
+                  <a14:hiddenLine xmlns:a14="http://schemas.microsoft.com/office/drawing/2010/main" xmlns="" w="9525">
                     <a:solidFill>
                       <a:srgbClr val="000000"/>
                     </a:solidFill>
@@ -10997,7 +10998,7 @@
               </a:ln>
               <a:extLst>
                 <a:ext uri="{91240B29-F687-4f45-9708-019B960494DF}">
-                  <a14:hiddenLine xmlns="" xmlns:a14="http://schemas.microsoft.com/office/drawing/2010/main" w="9525">
+                  <a14:hiddenLine xmlns:a14="http://schemas.microsoft.com/office/drawing/2010/main" xmlns="" w="9525">
                     <a:solidFill>
                       <a:srgbClr val="000000"/>
                     </a:solidFill>
@@ -11095,7 +11096,7 @@
               </a:ln>
               <a:extLst>
                 <a:ext uri="{91240B29-F687-4f45-9708-019B960494DF}">
-                  <a14:hiddenLine xmlns="" xmlns:a14="http://schemas.microsoft.com/office/drawing/2010/main" w="9525">
+                  <a14:hiddenLine xmlns:a14="http://schemas.microsoft.com/office/drawing/2010/main" xmlns="" w="9525">
                     <a:solidFill>
                       <a:srgbClr val="000000"/>
                     </a:solidFill>
@@ -11210,7 +11211,7 @@
               </a:ln>
               <a:extLst>
                 <a:ext uri="{91240B29-F687-4f45-9708-019B960494DF}">
-                  <a14:hiddenLine xmlns="" xmlns:a14="http://schemas.microsoft.com/office/drawing/2010/main" w="9525">
+                  <a14:hiddenLine xmlns:a14="http://schemas.microsoft.com/office/drawing/2010/main" xmlns="" w="9525">
                     <a:solidFill>
                       <a:srgbClr val="000000"/>
                     </a:solidFill>
@@ -11300,7 +11301,7 @@
               </a:ln>
               <a:extLst>
                 <a:ext uri="{91240B29-F687-4f45-9708-019B960494DF}">
-                  <a14:hiddenLine xmlns="" xmlns:a14="http://schemas.microsoft.com/office/drawing/2010/main" w="9525">
+                  <a14:hiddenLine xmlns:a14="http://schemas.microsoft.com/office/drawing/2010/main" xmlns="" w="9525">
                     <a:solidFill>
                       <a:srgbClr val="000000"/>
                     </a:solidFill>
@@ -11365,7 +11366,7 @@
               </a:ln>
               <a:extLst>
                 <a:ext uri="{91240B29-F687-4f45-9708-019B960494DF}">
-                  <a14:hiddenLine xmlns="" xmlns:a14="http://schemas.microsoft.com/office/drawing/2010/main" w="9525">
+                  <a14:hiddenLine xmlns:a14="http://schemas.microsoft.com/office/drawing/2010/main" xmlns="" w="9525">
                     <a:solidFill>
                       <a:srgbClr val="000000"/>
                     </a:solidFill>
@@ -11455,7 +11456,7 @@
               </a:ln>
               <a:extLst>
                 <a:ext uri="{91240B29-F687-4f45-9708-019B960494DF}">
-                  <a14:hiddenLine xmlns="" xmlns:a14="http://schemas.microsoft.com/office/drawing/2010/main" w="9525">
+                  <a14:hiddenLine xmlns:a14="http://schemas.microsoft.com/office/drawing/2010/main" xmlns="" w="9525">
                     <a:solidFill>
                       <a:srgbClr val="000000"/>
                     </a:solidFill>
@@ -11523,7 +11524,7 @@
               </a:ln>
               <a:extLst>
                 <a:ext uri="{91240B29-F687-4f45-9708-019B960494DF}">
-                  <a14:hiddenLine xmlns="" xmlns:a14="http://schemas.microsoft.com/office/drawing/2010/main" w="9525">
+                  <a14:hiddenLine xmlns:a14="http://schemas.microsoft.com/office/drawing/2010/main" xmlns="" w="9525">
                     <a:solidFill>
                       <a:srgbClr val="000000"/>
                     </a:solidFill>
@@ -11613,7 +11614,7 @@
               </a:ln>
               <a:extLst>
                 <a:ext uri="{91240B29-F687-4f45-9708-019B960494DF}">
-                  <a14:hiddenLine xmlns="" xmlns:a14="http://schemas.microsoft.com/office/drawing/2010/main" w="9525">
+                  <a14:hiddenLine xmlns:a14="http://schemas.microsoft.com/office/drawing/2010/main" xmlns="" w="9525">
                     <a:solidFill>
                       <a:srgbClr val="000000"/>
                     </a:solidFill>
@@ -11681,7 +11682,7 @@
               </a:ln>
               <a:extLst>
                 <a:ext uri="{91240B29-F687-4f45-9708-019B960494DF}">
-                  <a14:hiddenLine xmlns="" xmlns:a14="http://schemas.microsoft.com/office/drawing/2010/main" w="9525">
+                  <a14:hiddenLine xmlns:a14="http://schemas.microsoft.com/office/drawing/2010/main" xmlns="" w="9525">
                     <a:solidFill>
                       <a:srgbClr val="000000"/>
                     </a:solidFill>
@@ -11771,7 +11772,7 @@
               </a:ln>
               <a:extLst>
                 <a:ext uri="{91240B29-F687-4f45-9708-019B960494DF}">
-                  <a14:hiddenLine xmlns="" xmlns:a14="http://schemas.microsoft.com/office/drawing/2010/main" w="9525">
+                  <a14:hiddenLine xmlns:a14="http://schemas.microsoft.com/office/drawing/2010/main" xmlns="" w="9525">
                     <a:solidFill>
                       <a:srgbClr val="000000"/>
                     </a:solidFill>
@@ -11805,7 +11806,7 @@
               </a:ln>
               <a:extLst>
                 <a:ext uri="{91240B29-F687-4f45-9708-019B960494DF}">
-                  <a14:hiddenLine xmlns="" xmlns:a14="http://schemas.microsoft.com/office/drawing/2010/main" w="9525">
+                  <a14:hiddenLine xmlns:a14="http://schemas.microsoft.com/office/drawing/2010/main" xmlns="" w="9525">
                     <a:solidFill>
                       <a:srgbClr val="000000"/>
                     </a:solidFill>
@@ -11946,7 +11947,7 @@
             <a:fld id="{48A87A34-81AB-432B-8DAE-1953F412C126}" type="datetimeFigureOut">
               <a:rPr lang="en-US" dirty="0"/>
               <a:pPr/>
-              <a:t>11/8/19</a:t>
+              <a:t>11/11/19</a:t>
             </a:fld>
             <a:endParaRPr lang="en-US" dirty="0"/>
           </a:p>
@@ -12580,7 +12581,7 @@
           <a:noFill/>
           <a:extLst>
             <a:ext uri="{909E8E84-426E-40dd-AFC4-6F175D3DCCD1}">
-              <a14:hiddenFill xmlns:a14="http://schemas.microsoft.com/office/drawing/2010/main" xmlns:p14="http://schemas.microsoft.com/office/powerpoint/2010/main" xmlns:a16="http://schemas.microsoft.com/office/drawing/2014/main" xmlns="">
+              <a14:hiddenFill xmlns="" xmlns:a16="http://schemas.microsoft.com/office/drawing/2014/main" xmlns:p14="http://schemas.microsoft.com/office/powerpoint/2010/main" xmlns:a14="http://schemas.microsoft.com/office/drawing/2010/main">
                 <a:solidFill>
                   <a:srgbClr val="FFFFFF"/>
                 </a:solidFill>
@@ -12811,7 +12812,7 @@
             </a:ln>
             <a:extLst>
               <a:ext uri="{91240B29-F687-4f45-9708-019B960494DF}">
-                <a14:hiddenLine xmlns:a14="http://schemas.microsoft.com/office/drawing/2010/main" xmlns:p14="http://schemas.microsoft.com/office/powerpoint/2010/main" xmlns:a16="http://schemas.microsoft.com/office/drawing/2014/main" xmlns="" w="9525">
+                <a14:hiddenLine xmlns="" xmlns:a16="http://schemas.microsoft.com/office/drawing/2014/main" xmlns:p14="http://schemas.microsoft.com/office/powerpoint/2010/main" xmlns:a14="http://schemas.microsoft.com/office/drawing/2010/main" w="9525">
                   <a:solidFill>
                     <a:srgbClr val="000000"/>
                   </a:solidFill>
@@ -12916,7 +12917,7 @@
             </a:ln>
             <a:extLst>
               <a:ext uri="{91240B29-F687-4f45-9708-019B960494DF}">
-                <a14:hiddenLine xmlns:a14="http://schemas.microsoft.com/office/drawing/2010/main" xmlns:p14="http://schemas.microsoft.com/office/powerpoint/2010/main" xmlns:a16="http://schemas.microsoft.com/office/drawing/2014/main" xmlns="" w="9525">
+                <a14:hiddenLine xmlns="" xmlns:a16="http://schemas.microsoft.com/office/drawing/2014/main" xmlns:p14="http://schemas.microsoft.com/office/powerpoint/2010/main" xmlns:a14="http://schemas.microsoft.com/office/drawing/2010/main" w="9525">
                   <a:solidFill>
                     <a:srgbClr val="000000"/>
                   </a:solidFill>
@@ -13021,7 +13022,7 @@
             </a:ln>
             <a:extLst>
               <a:ext uri="{91240B29-F687-4f45-9708-019B960494DF}">
-                <a14:hiddenLine xmlns:a14="http://schemas.microsoft.com/office/drawing/2010/main" xmlns:p14="http://schemas.microsoft.com/office/powerpoint/2010/main" xmlns:a16="http://schemas.microsoft.com/office/drawing/2014/main" xmlns="" w="9525">
+                <a14:hiddenLine xmlns="" xmlns:a16="http://schemas.microsoft.com/office/drawing/2014/main" xmlns:p14="http://schemas.microsoft.com/office/powerpoint/2010/main" xmlns:a14="http://schemas.microsoft.com/office/drawing/2010/main" w="9525">
                   <a:solidFill>
                     <a:srgbClr val="000000"/>
                   </a:solidFill>
@@ -13098,7 +13099,7 @@
             </a:ln>
             <a:extLst>
               <a:ext uri="{91240B29-F687-4f45-9708-019B960494DF}">
-                <a14:hiddenLine xmlns:a14="http://schemas.microsoft.com/office/drawing/2010/main" xmlns:p14="http://schemas.microsoft.com/office/powerpoint/2010/main" xmlns:a16="http://schemas.microsoft.com/office/drawing/2014/main" xmlns="" w="9525">
+                <a14:hiddenLine xmlns="" xmlns:a16="http://schemas.microsoft.com/office/drawing/2014/main" xmlns:p14="http://schemas.microsoft.com/office/powerpoint/2010/main" xmlns:a14="http://schemas.microsoft.com/office/drawing/2010/main" w="9525">
                   <a:solidFill>
                     <a:srgbClr val="000000"/>
                   </a:solidFill>
@@ -13203,7 +13204,7 @@
             </a:ln>
             <a:extLst>
               <a:ext uri="{91240B29-F687-4f45-9708-019B960494DF}">
-                <a14:hiddenLine xmlns:a14="http://schemas.microsoft.com/office/drawing/2010/main" xmlns:p14="http://schemas.microsoft.com/office/powerpoint/2010/main" xmlns:a16="http://schemas.microsoft.com/office/drawing/2014/main" xmlns="" w="9525">
+                <a14:hiddenLine xmlns="" xmlns:a16="http://schemas.microsoft.com/office/drawing/2014/main" xmlns:p14="http://schemas.microsoft.com/office/powerpoint/2010/main" xmlns:a14="http://schemas.microsoft.com/office/drawing/2010/main" w="9525">
                   <a:solidFill>
                     <a:srgbClr val="000000"/>
                   </a:solidFill>
@@ -13280,7 +13281,7 @@
             </a:ln>
             <a:extLst>
               <a:ext uri="{91240B29-F687-4f45-9708-019B960494DF}">
-                <a14:hiddenLine xmlns:a14="http://schemas.microsoft.com/office/drawing/2010/main" xmlns:p14="http://schemas.microsoft.com/office/powerpoint/2010/main" xmlns:a16="http://schemas.microsoft.com/office/drawing/2014/main" xmlns="" w="9525">
+                <a14:hiddenLine xmlns="" xmlns:a16="http://schemas.microsoft.com/office/drawing/2014/main" xmlns:p14="http://schemas.microsoft.com/office/powerpoint/2010/main" xmlns:a14="http://schemas.microsoft.com/office/drawing/2010/main" w="9525">
                   <a:solidFill>
                     <a:srgbClr val="000000"/>
                   </a:solidFill>
@@ -13357,7 +13358,7 @@
             </a:ln>
             <a:extLst>
               <a:ext uri="{91240B29-F687-4f45-9708-019B960494DF}">
-                <a14:hiddenLine xmlns:a14="http://schemas.microsoft.com/office/drawing/2010/main" xmlns:p14="http://schemas.microsoft.com/office/powerpoint/2010/main" xmlns:a16="http://schemas.microsoft.com/office/drawing/2014/main" xmlns="" w="9525">
+                <a14:hiddenLine xmlns="" xmlns:a16="http://schemas.microsoft.com/office/drawing/2014/main" xmlns:p14="http://schemas.microsoft.com/office/powerpoint/2010/main" xmlns:a14="http://schemas.microsoft.com/office/drawing/2010/main" w="9525">
                   <a:solidFill>
                     <a:srgbClr val="000000"/>
                   </a:solidFill>
@@ -13462,7 +13463,7 @@
             </a:ln>
             <a:extLst>
               <a:ext uri="{91240B29-F687-4f45-9708-019B960494DF}">
-                <a14:hiddenLine xmlns:a14="http://schemas.microsoft.com/office/drawing/2010/main" xmlns:p14="http://schemas.microsoft.com/office/powerpoint/2010/main" xmlns:a16="http://schemas.microsoft.com/office/drawing/2014/main" xmlns="" w="9525">
+                <a14:hiddenLine xmlns="" xmlns:a16="http://schemas.microsoft.com/office/drawing/2014/main" xmlns:p14="http://schemas.microsoft.com/office/powerpoint/2010/main" xmlns:a14="http://schemas.microsoft.com/office/drawing/2010/main" w="9525">
                   <a:solidFill>
                     <a:srgbClr val="000000"/>
                   </a:solidFill>
@@ -13567,7 +13568,7 @@
             </a:ln>
             <a:extLst>
               <a:ext uri="{91240B29-F687-4f45-9708-019B960494DF}">
-                <a14:hiddenLine xmlns:a14="http://schemas.microsoft.com/office/drawing/2010/main" xmlns:p14="http://schemas.microsoft.com/office/powerpoint/2010/main" xmlns:a16="http://schemas.microsoft.com/office/drawing/2014/main" xmlns="" w="9525">
+                <a14:hiddenLine xmlns="" xmlns:a16="http://schemas.microsoft.com/office/drawing/2014/main" xmlns:p14="http://schemas.microsoft.com/office/powerpoint/2010/main" xmlns:a14="http://schemas.microsoft.com/office/drawing/2010/main" w="9525">
                   <a:solidFill>
                     <a:srgbClr val="000000"/>
                   </a:solidFill>
@@ -13644,7 +13645,7 @@
             </a:ln>
             <a:extLst>
               <a:ext uri="{91240B29-F687-4f45-9708-019B960494DF}">
-                <a14:hiddenLine xmlns:a14="http://schemas.microsoft.com/office/drawing/2010/main" xmlns:p14="http://schemas.microsoft.com/office/powerpoint/2010/main" xmlns:a16="http://schemas.microsoft.com/office/drawing/2014/main" xmlns="" w="9525">
+                <a14:hiddenLine xmlns="" xmlns:a16="http://schemas.microsoft.com/office/drawing/2014/main" xmlns:p14="http://schemas.microsoft.com/office/powerpoint/2010/main" xmlns:a14="http://schemas.microsoft.com/office/drawing/2010/main" w="9525">
                   <a:solidFill>
                     <a:srgbClr val="000000"/>
                   </a:solidFill>
@@ -13769,7 +13770,7 @@
             </a:ln>
             <a:extLst>
               <a:ext uri="{91240B29-F687-4f45-9708-019B960494DF}">
-                <a14:hiddenLine xmlns:a14="http://schemas.microsoft.com/office/drawing/2010/main" xmlns:p14="http://schemas.microsoft.com/office/powerpoint/2010/main" xmlns:a16="http://schemas.microsoft.com/office/drawing/2014/main" xmlns="" w="9525">
+                <a14:hiddenLine xmlns="" xmlns:a16="http://schemas.microsoft.com/office/drawing/2014/main" xmlns:p14="http://schemas.microsoft.com/office/powerpoint/2010/main" xmlns:a14="http://schemas.microsoft.com/office/drawing/2010/main" w="9525">
                   <a:solidFill>
                     <a:srgbClr val="000000"/>
                   </a:solidFill>
@@ -13883,7 +13884,7 @@
             </a:ln>
             <a:extLst>
               <a:ext uri="{91240B29-F687-4f45-9708-019B960494DF}">
-                <a14:hiddenLine xmlns:a14="http://schemas.microsoft.com/office/drawing/2010/main" xmlns:p14="http://schemas.microsoft.com/office/powerpoint/2010/main" xmlns:a16="http://schemas.microsoft.com/office/drawing/2014/main" xmlns="" w="9525">
+                <a14:hiddenLine xmlns="" xmlns:a16="http://schemas.microsoft.com/office/drawing/2014/main" xmlns:p14="http://schemas.microsoft.com/office/powerpoint/2010/main" xmlns:a14="http://schemas.microsoft.com/office/drawing/2010/main" w="9525">
                   <a:solidFill>
                     <a:srgbClr val="000000"/>
                   </a:solidFill>
@@ -13960,7 +13961,7 @@
             </a:ln>
             <a:extLst>
               <a:ext uri="{91240B29-F687-4f45-9708-019B960494DF}">
-                <a14:hiddenLine xmlns:a14="http://schemas.microsoft.com/office/drawing/2010/main" xmlns:p14="http://schemas.microsoft.com/office/powerpoint/2010/main" xmlns:a16="http://schemas.microsoft.com/office/drawing/2014/main" xmlns="" w="9525">
+                <a14:hiddenLine xmlns="" xmlns:a16="http://schemas.microsoft.com/office/drawing/2014/main" xmlns:p14="http://schemas.microsoft.com/office/powerpoint/2010/main" xmlns:a14="http://schemas.microsoft.com/office/drawing/2010/main" w="9525">
                   <a:solidFill>
                     <a:srgbClr val="000000"/>
                   </a:solidFill>
@@ -14037,7 +14038,7 @@
             </a:ln>
             <a:extLst>
               <a:ext uri="{91240B29-F687-4f45-9708-019B960494DF}">
-                <a14:hiddenLine xmlns:a14="http://schemas.microsoft.com/office/drawing/2010/main" xmlns:p14="http://schemas.microsoft.com/office/powerpoint/2010/main" xmlns:a16="http://schemas.microsoft.com/office/drawing/2014/main" xmlns="" w="9525">
+                <a14:hiddenLine xmlns="" xmlns:a16="http://schemas.microsoft.com/office/drawing/2014/main" xmlns:p14="http://schemas.microsoft.com/office/powerpoint/2010/main" xmlns:a14="http://schemas.microsoft.com/office/drawing/2010/main" w="9525">
                   <a:solidFill>
                     <a:srgbClr val="000000"/>
                   </a:solidFill>
@@ -14142,7 +14143,7 @@
             </a:ln>
             <a:extLst>
               <a:ext uri="{91240B29-F687-4f45-9708-019B960494DF}">
-                <a14:hiddenLine xmlns:a14="http://schemas.microsoft.com/office/drawing/2010/main" xmlns:p14="http://schemas.microsoft.com/office/powerpoint/2010/main" xmlns:a16="http://schemas.microsoft.com/office/drawing/2014/main" xmlns="" w="9525">
+                <a14:hiddenLine xmlns="" xmlns:a16="http://schemas.microsoft.com/office/drawing/2014/main" xmlns:p14="http://schemas.microsoft.com/office/powerpoint/2010/main" xmlns:a14="http://schemas.microsoft.com/office/drawing/2010/main" w="9525">
                   <a:solidFill>
                     <a:srgbClr val="000000"/>
                   </a:solidFill>
@@ -14191,7 +14192,7 @@
             </a:ln>
             <a:extLst>
               <a:ext uri="{91240B29-F687-4f45-9708-019B960494DF}">
-                <a14:hiddenLine xmlns:a14="http://schemas.microsoft.com/office/drawing/2010/main" xmlns:p14="http://schemas.microsoft.com/office/powerpoint/2010/main" xmlns:a16="http://schemas.microsoft.com/office/drawing/2014/main" xmlns="" w="9525">
+                <a14:hiddenLine xmlns="" xmlns:a16="http://schemas.microsoft.com/office/drawing/2014/main" xmlns:p14="http://schemas.microsoft.com/office/powerpoint/2010/main" xmlns:a14="http://schemas.microsoft.com/office/drawing/2010/main" w="9525">
                   <a:solidFill>
                     <a:srgbClr val="000000"/>
                   </a:solidFill>
@@ -14271,7 +14272,7 @@
             </a:ln>
             <a:extLst>
               <a:ext uri="{91240B29-F687-4f45-9708-019B960494DF}">
-                <a14:hiddenLine xmlns:a14="http://schemas.microsoft.com/office/drawing/2010/main" xmlns:p14="http://schemas.microsoft.com/office/powerpoint/2010/main" xmlns:a16="http://schemas.microsoft.com/office/drawing/2014/main" xmlns="" w="9525">
+                <a14:hiddenLine xmlns="" xmlns:a16="http://schemas.microsoft.com/office/drawing/2014/main" xmlns:p14="http://schemas.microsoft.com/office/powerpoint/2010/main" xmlns:a14="http://schemas.microsoft.com/office/drawing/2010/main" w="9525">
                   <a:solidFill>
                     <a:srgbClr val="000000"/>
                   </a:solidFill>
@@ -14376,7 +14377,7 @@
             </a:ln>
             <a:extLst>
               <a:ext uri="{91240B29-F687-4f45-9708-019B960494DF}">
-                <a14:hiddenLine xmlns:a14="http://schemas.microsoft.com/office/drawing/2010/main" xmlns:p14="http://schemas.microsoft.com/office/powerpoint/2010/main" xmlns:a16="http://schemas.microsoft.com/office/drawing/2014/main" xmlns="" w="9525">
+                <a14:hiddenLine xmlns="" xmlns:a16="http://schemas.microsoft.com/office/drawing/2014/main" xmlns:p14="http://schemas.microsoft.com/office/powerpoint/2010/main" xmlns:a14="http://schemas.microsoft.com/office/drawing/2010/main" w="9525">
                   <a:solidFill>
                     <a:srgbClr val="000000"/>
                   </a:solidFill>
@@ -14453,7 +14454,7 @@
             </a:ln>
             <a:extLst>
               <a:ext uri="{91240B29-F687-4f45-9708-019B960494DF}">
-                <a14:hiddenLine xmlns:a14="http://schemas.microsoft.com/office/drawing/2010/main" xmlns:p14="http://schemas.microsoft.com/office/powerpoint/2010/main" xmlns:a16="http://schemas.microsoft.com/office/drawing/2014/main" xmlns="" w="9525">
+                <a14:hiddenLine xmlns="" xmlns:a16="http://schemas.microsoft.com/office/drawing/2014/main" xmlns:p14="http://schemas.microsoft.com/office/powerpoint/2010/main" xmlns:a14="http://schemas.microsoft.com/office/drawing/2010/main" w="9525">
                   <a:solidFill>
                     <a:srgbClr val="000000"/>
                   </a:solidFill>
@@ -14558,7 +14559,7 @@
             </a:ln>
             <a:extLst>
               <a:ext uri="{91240B29-F687-4f45-9708-019B960494DF}">
-                <a14:hiddenLine xmlns:a14="http://schemas.microsoft.com/office/drawing/2010/main" xmlns:p14="http://schemas.microsoft.com/office/powerpoint/2010/main" xmlns:a16="http://schemas.microsoft.com/office/drawing/2014/main" xmlns="" w="9525">
+                <a14:hiddenLine xmlns="" xmlns:a16="http://schemas.microsoft.com/office/drawing/2014/main" xmlns:p14="http://schemas.microsoft.com/office/powerpoint/2010/main" xmlns:a14="http://schemas.microsoft.com/office/drawing/2010/main" w="9525">
                   <a:solidFill>
                     <a:srgbClr val="000000"/>
                   </a:solidFill>
@@ -14638,7 +14639,7 @@
             </a:ln>
             <a:extLst>
               <a:ext uri="{91240B29-F687-4f45-9708-019B960494DF}">
-                <a14:hiddenLine xmlns:a14="http://schemas.microsoft.com/office/drawing/2010/main" xmlns:p14="http://schemas.microsoft.com/office/powerpoint/2010/main" xmlns:a16="http://schemas.microsoft.com/office/drawing/2014/main" xmlns="" w="9525">
+                <a14:hiddenLine xmlns="" xmlns:a16="http://schemas.microsoft.com/office/drawing/2014/main" xmlns:p14="http://schemas.microsoft.com/office/powerpoint/2010/main" xmlns:a14="http://schemas.microsoft.com/office/drawing/2010/main" w="9525">
                   <a:solidFill>
                     <a:srgbClr val="000000"/>
                   </a:solidFill>
@@ -14715,7 +14716,7 @@
             </a:ln>
             <a:extLst>
               <a:ext uri="{91240B29-F687-4f45-9708-019B960494DF}">
-                <a14:hiddenLine xmlns:a14="http://schemas.microsoft.com/office/drawing/2010/main" xmlns:p14="http://schemas.microsoft.com/office/powerpoint/2010/main" xmlns:a16="http://schemas.microsoft.com/office/drawing/2014/main" xmlns="" w="9525">
+                <a14:hiddenLine xmlns="" xmlns:a16="http://schemas.microsoft.com/office/drawing/2014/main" xmlns:p14="http://schemas.microsoft.com/office/powerpoint/2010/main" xmlns:a14="http://schemas.microsoft.com/office/drawing/2010/main" w="9525">
                   <a:solidFill>
                     <a:srgbClr val="000000"/>
                   </a:solidFill>
@@ -14820,7 +14821,7 @@
             </a:ln>
             <a:extLst>
               <a:ext uri="{91240B29-F687-4f45-9708-019B960494DF}">
-                <a14:hiddenLine xmlns:a14="http://schemas.microsoft.com/office/drawing/2010/main" xmlns:p14="http://schemas.microsoft.com/office/powerpoint/2010/main" xmlns:a16="http://schemas.microsoft.com/office/drawing/2014/main" xmlns="" w="9525">
+                <a14:hiddenLine xmlns="" xmlns:a16="http://schemas.microsoft.com/office/drawing/2014/main" xmlns:p14="http://schemas.microsoft.com/office/powerpoint/2010/main" xmlns:a14="http://schemas.microsoft.com/office/drawing/2010/main" w="9525">
                   <a:solidFill>
                     <a:srgbClr val="000000"/>
                   </a:solidFill>
@@ -14925,7 +14926,7 @@
             </a:ln>
             <a:extLst>
               <a:ext uri="{91240B29-F687-4f45-9708-019B960494DF}">
-                <a14:hiddenLine xmlns:a14="http://schemas.microsoft.com/office/drawing/2010/main" xmlns:p14="http://schemas.microsoft.com/office/powerpoint/2010/main" xmlns:a16="http://schemas.microsoft.com/office/drawing/2014/main" xmlns="" w="9525">
+                <a14:hiddenLine xmlns="" xmlns:a16="http://schemas.microsoft.com/office/drawing/2014/main" xmlns:p14="http://schemas.microsoft.com/office/powerpoint/2010/main" xmlns:a14="http://schemas.microsoft.com/office/drawing/2010/main" w="9525">
                   <a:solidFill>
                     <a:srgbClr val="000000"/>
                   </a:solidFill>
@@ -15005,7 +15006,7 @@
             </a:ln>
             <a:extLst>
               <a:ext uri="{91240B29-F687-4f45-9708-019B960494DF}">
-                <a14:hiddenLine xmlns:a14="http://schemas.microsoft.com/office/drawing/2010/main" xmlns:p14="http://schemas.microsoft.com/office/powerpoint/2010/main" xmlns:a16="http://schemas.microsoft.com/office/drawing/2014/main" xmlns="" w="9525">
+                <a14:hiddenLine xmlns="" xmlns:a16="http://schemas.microsoft.com/office/drawing/2014/main" xmlns:p14="http://schemas.microsoft.com/office/powerpoint/2010/main" xmlns:a14="http://schemas.microsoft.com/office/drawing/2010/main" w="9525">
                   <a:solidFill>
                     <a:srgbClr val="000000"/>
                   </a:solidFill>
@@ -15140,7 +15141,7 @@
             </a:ln>
             <a:extLst>
               <a:ext uri="{91240B29-F687-4f45-9708-019B960494DF}">
-                <a14:hiddenLine xmlns:a14="http://schemas.microsoft.com/office/drawing/2010/main" xmlns:p14="http://schemas.microsoft.com/office/powerpoint/2010/main" xmlns:a16="http://schemas.microsoft.com/office/drawing/2014/main" xmlns="" w="9525">
+                <a14:hiddenLine xmlns="" xmlns:a16="http://schemas.microsoft.com/office/drawing/2014/main" xmlns:p14="http://schemas.microsoft.com/office/powerpoint/2010/main" xmlns:a14="http://schemas.microsoft.com/office/drawing/2010/main" w="9525">
                   <a:solidFill>
                     <a:srgbClr val="000000"/>
                   </a:solidFill>
@@ -17998,6 +17999,170 @@
           <p:cNvPr id="2" name="Title 1">
             <a:extLst>
               <a:ext uri="{FF2B5EF4-FFF2-40B4-BE49-F238E27FC236}">
+                <a16:creationId xmlns:a16="http://schemas.microsoft.com/office/drawing/2014/main" id="{9E19CAF0-A272-9D45-8F49-A7BFC5B18B3B}"/>
+              </a:ext>
+            </a:extLst>
+          </p:cNvPr>
+          <p:cNvSpPr>
+            <a:spLocks noGrp="1"/>
+          </p:cNvSpPr>
+          <p:nvPr>
+            <p:ph type="title"/>
+          </p:nvPr>
+        </p:nvSpPr>
+        <p:spPr/>
+        <p:txBody>
+          <a:bodyPr/>
+          <a:lstStyle/>
+          <a:p>
+            <a:r>
+              <a:rPr lang="en-US" dirty="0"/>
+              <a:t>Steps to follow for execution</a:t>
+            </a:r>
+          </a:p>
+        </p:txBody>
+      </p:sp>
+      <p:pic>
+        <p:nvPicPr>
+          <p:cNvPr id="4" name="Content Placeholder 3">
+            <a:extLst>
+              <a:ext uri="{FF2B5EF4-FFF2-40B4-BE49-F238E27FC236}">
+                <a16:creationId xmlns:a16="http://schemas.microsoft.com/office/drawing/2014/main" id="{637D3FD9-D009-7A46-9303-5623ADD24C42}"/>
+              </a:ext>
+            </a:extLst>
+          </p:cNvPr>
+          <p:cNvPicPr>
+            <a:picLocks noGrp="1" noChangeAspect="1"/>
+          </p:cNvPicPr>
+          <p:nvPr>
+            <p:ph idx="1"/>
+          </p:nvPr>
+        </p:nvPicPr>
+        <p:blipFill>
+          <a:blip r:embed="rId2"/>
+          <a:stretch>
+            <a:fillRect/>
+          </a:stretch>
+        </p:blipFill>
+        <p:spPr>
+          <a:xfrm>
+            <a:off x="555998" y="1869823"/>
+            <a:ext cx="5676223" cy="2709981"/>
+          </a:xfrm>
+          <a:prstGeom prst="rect">
+            <a:avLst/>
+          </a:prstGeom>
+        </p:spPr>
+      </p:pic>
+      <p:sp>
+        <p:nvSpPr>
+          <p:cNvPr id="5" name="TextBox 4">
+            <a:extLst>
+              <a:ext uri="{FF2B5EF4-FFF2-40B4-BE49-F238E27FC236}">
+                <a16:creationId xmlns:a16="http://schemas.microsoft.com/office/drawing/2014/main" id="{EE8DF033-3D70-5842-9E79-586F13D2C686}"/>
+              </a:ext>
+            </a:extLst>
+          </p:cNvPr>
+          <p:cNvSpPr txBox="1"/>
+          <p:nvPr/>
+        </p:nvSpPr>
+        <p:spPr>
+          <a:xfrm>
+            <a:off x="6605082" y="1869823"/>
+            <a:ext cx="4815190" cy="2862322"/>
+          </a:xfrm>
+          <a:prstGeom prst="rect">
+            <a:avLst/>
+          </a:prstGeom>
+          <a:noFill/>
+        </p:spPr>
+        <p:txBody>
+          <a:bodyPr wrap="square" rtlCol="0">
+            <a:spAutoFit/>
+          </a:bodyPr>
+          <a:lstStyle/>
+          <a:p>
+            <a:r>
+              <a:rPr lang="en-US" dirty="0"/>
+              <a:t>Execute in the order above. Please make sure the required libraries are installed for the python SDK you choose. Carefully observe the original data set and its column headers </a:t>
+            </a:r>
+            <a:r>
+              <a:rPr lang="en-US" i="1" dirty="0"/>
+              <a:t>“</a:t>
+            </a:r>
+            <a:r>
+              <a:rPr lang="en-US" i="1" dirty="0" err="1"/>
+              <a:t>WomensClothing</a:t>
+            </a:r>
+            <a:r>
+              <a:rPr lang="en-US" i="1" dirty="0"/>
+              <a:t>-E-Commerce-Reviews”.</a:t>
+            </a:r>
+            <a:endParaRPr lang="en-US" dirty="0"/>
+          </a:p>
+          <a:p>
+            <a:r>
+              <a:rPr lang="en-US" dirty="0"/>
+              <a:t> </a:t>
+            </a:r>
+          </a:p>
+          <a:p>
+            <a:r>
+              <a:rPr lang="en-US" dirty="0"/>
+              <a:t>All the output should be generated and saved in “output” directory.</a:t>
+            </a:r>
+          </a:p>
+          <a:p>
+            <a:r>
+              <a:rPr lang="en-US" dirty="0"/>
+              <a:t>You can either run throw any IDE or CLI. Just call the main class. </a:t>
+            </a:r>
+            <a:r>
+              <a:rPr lang="en-US" i="1" dirty="0"/>
+              <a:t>Its not designed to be parametrized.</a:t>
+            </a:r>
+            <a:r>
+              <a:rPr lang="en-US" dirty="0"/>
+              <a:t> </a:t>
+            </a:r>
+          </a:p>
+        </p:txBody>
+      </p:sp>
+    </p:spTree>
+    <p:extLst>
+      <p:ext uri="{BB962C8B-B14F-4D97-AF65-F5344CB8AC3E}">
+        <p14:creationId xmlns:p14="http://schemas.microsoft.com/office/powerpoint/2010/main" val="3020577591"/>
+      </p:ext>
+    </p:extLst>
+  </p:cSld>
+  <p:clrMapOvr>
+    <a:masterClrMapping/>
+  </p:clrMapOvr>
+</p:sld>
+</file>
+
+<file path=ppt/slides/slide16.xml><?xml version="1.0" encoding="utf-8"?>
+<p:sld xmlns:a="http://schemas.openxmlformats.org/drawingml/2006/main" xmlns:r="http://schemas.openxmlformats.org/officeDocument/2006/relationships" xmlns:p="http://schemas.openxmlformats.org/presentationml/2006/main">
+  <p:cSld>
+    <p:spTree>
+      <p:nvGrpSpPr>
+        <p:cNvPr id="1" name=""/>
+        <p:cNvGrpSpPr/>
+        <p:nvPr/>
+      </p:nvGrpSpPr>
+      <p:grpSpPr>
+        <a:xfrm>
+          <a:off x="0" y="0"/>
+          <a:ext cx="0" cy="0"/>
+          <a:chOff x="0" y="0"/>
+          <a:chExt cx="0" cy="0"/>
+        </a:xfrm>
+      </p:grpSpPr>
+      <p:sp>
+        <p:nvSpPr>
+          <p:cNvPr id="2" name="Title 1">
+            <a:extLst>
+              <a:ext uri="{FF2B5EF4-FFF2-40B4-BE49-F238E27FC236}">
                 <a16:creationId xmlns:a16="http://schemas.microsoft.com/office/drawing/2014/main" id="{18A45721-EA38-0A47-97B3-6170B7640DBE}"/>
               </a:ext>
             </a:extLst>
@@ -18262,7 +18427,7 @@
           </a:prstGeom>
           <a:extLst>
             <a:ext uri="{909E8E84-426E-40dd-AFC4-6F175D3DCCD1}">
-              <a14:hiddenFill xmlns:a14="http://schemas.microsoft.com/office/drawing/2010/main" xmlns:p14="http://schemas.microsoft.com/office/powerpoint/2010/main" xmlns:a16="http://schemas.microsoft.com/office/drawing/2014/main" xmlns="">
+              <a14:hiddenFill xmlns="" xmlns:a16="http://schemas.microsoft.com/office/drawing/2014/main" xmlns:p14="http://schemas.microsoft.com/office/powerpoint/2010/main" xmlns:a14="http://schemas.microsoft.com/office/drawing/2010/main">
                 <a:solidFill>
                   <a:srgbClr val="FFFFFF"/>
                 </a:solidFill>
@@ -18386,7 +18551,7 @@
           <a:noFill/>
           <a:extLst>
             <a:ext uri="{909E8E84-426E-40dd-AFC4-6F175D3DCCD1}">
-              <a14:hiddenFill xmlns:a14="http://schemas.microsoft.com/office/drawing/2010/main" xmlns:p14="http://schemas.microsoft.com/office/powerpoint/2010/main" xmlns:a16="http://schemas.microsoft.com/office/drawing/2014/main" xmlns="">
+              <a14:hiddenFill xmlns="" xmlns:a16="http://schemas.microsoft.com/office/drawing/2014/main" xmlns:p14="http://schemas.microsoft.com/office/powerpoint/2010/main" xmlns:a14="http://schemas.microsoft.com/office/drawing/2010/main">
                 <a:solidFill>
                   <a:srgbClr val="FFFFFF"/>
                 </a:solidFill>
@@ -18582,7 +18747,7 @@
             </a:ln>
             <a:extLst>
               <a:ext uri="{91240B29-F687-4f45-9708-019B960494DF}">
-                <a14:hiddenLine xmlns:a14="http://schemas.microsoft.com/office/drawing/2010/main" xmlns:p14="http://schemas.microsoft.com/office/powerpoint/2010/main" xmlns:a16="http://schemas.microsoft.com/office/drawing/2014/main" xmlns="" w="9525">
+                <a14:hiddenLine xmlns="" xmlns:a16="http://schemas.microsoft.com/office/drawing/2014/main" xmlns:p14="http://schemas.microsoft.com/office/powerpoint/2010/main" xmlns:a14="http://schemas.microsoft.com/office/drawing/2010/main" w="9525">
                   <a:solidFill>
                     <a:srgbClr val="000000"/>
                   </a:solidFill>
@@ -18687,7 +18852,7 @@
             </a:ln>
             <a:extLst>
               <a:ext uri="{91240B29-F687-4f45-9708-019B960494DF}">
-                <a14:hiddenLine xmlns:a14="http://schemas.microsoft.com/office/drawing/2010/main" xmlns:p14="http://schemas.microsoft.com/office/powerpoint/2010/main" xmlns:a16="http://schemas.microsoft.com/office/drawing/2014/main" xmlns="" w="9525">
+                <a14:hiddenLine xmlns="" xmlns:a16="http://schemas.microsoft.com/office/drawing/2014/main" xmlns:p14="http://schemas.microsoft.com/office/powerpoint/2010/main" xmlns:a14="http://schemas.microsoft.com/office/drawing/2010/main" w="9525">
                   <a:solidFill>
                     <a:srgbClr val="000000"/>
                   </a:solidFill>
@@ -18792,7 +18957,7 @@
             </a:ln>
             <a:extLst>
               <a:ext uri="{91240B29-F687-4f45-9708-019B960494DF}">
-                <a14:hiddenLine xmlns:a14="http://schemas.microsoft.com/office/drawing/2010/main" xmlns:p14="http://schemas.microsoft.com/office/powerpoint/2010/main" xmlns:a16="http://schemas.microsoft.com/office/drawing/2014/main" xmlns="" w="9525">
+                <a14:hiddenLine xmlns="" xmlns:a16="http://schemas.microsoft.com/office/drawing/2014/main" xmlns:p14="http://schemas.microsoft.com/office/powerpoint/2010/main" xmlns:a14="http://schemas.microsoft.com/office/drawing/2010/main" w="9525">
                   <a:solidFill>
                     <a:srgbClr val="000000"/>
                   </a:solidFill>
@@ -18869,7 +19034,7 @@
             </a:ln>
             <a:extLst>
               <a:ext uri="{91240B29-F687-4f45-9708-019B960494DF}">
-                <a14:hiddenLine xmlns:a14="http://schemas.microsoft.com/office/drawing/2010/main" xmlns:p14="http://schemas.microsoft.com/office/powerpoint/2010/main" xmlns:a16="http://schemas.microsoft.com/office/drawing/2014/main" xmlns="" w="9525">
+                <a14:hiddenLine xmlns="" xmlns:a16="http://schemas.microsoft.com/office/drawing/2014/main" xmlns:p14="http://schemas.microsoft.com/office/powerpoint/2010/main" xmlns:a14="http://schemas.microsoft.com/office/drawing/2010/main" w="9525">
                   <a:solidFill>
                     <a:srgbClr val="000000"/>
                   </a:solidFill>
@@ -18974,7 +19139,7 @@
             </a:ln>
             <a:extLst>
               <a:ext uri="{91240B29-F687-4f45-9708-019B960494DF}">
-                <a14:hiddenLine xmlns:a14="http://schemas.microsoft.com/office/drawing/2010/main" xmlns:p14="http://schemas.microsoft.com/office/powerpoint/2010/main" xmlns:a16="http://schemas.microsoft.com/office/drawing/2014/main" xmlns="" w="9525">
+                <a14:hiddenLine xmlns="" xmlns:a16="http://schemas.microsoft.com/office/drawing/2014/main" xmlns:p14="http://schemas.microsoft.com/office/powerpoint/2010/main" xmlns:a14="http://schemas.microsoft.com/office/drawing/2010/main" w="9525">
                   <a:solidFill>
                     <a:srgbClr val="000000"/>
                   </a:solidFill>
@@ -19051,7 +19216,7 @@
             </a:ln>
             <a:extLst>
               <a:ext uri="{91240B29-F687-4f45-9708-019B960494DF}">
-                <a14:hiddenLine xmlns:a14="http://schemas.microsoft.com/office/drawing/2010/main" xmlns:p14="http://schemas.microsoft.com/office/powerpoint/2010/main" xmlns:a16="http://schemas.microsoft.com/office/drawing/2014/main" xmlns="" w="9525">
+                <a14:hiddenLine xmlns="" xmlns:a16="http://schemas.microsoft.com/office/drawing/2014/main" xmlns:p14="http://schemas.microsoft.com/office/powerpoint/2010/main" xmlns:a14="http://schemas.microsoft.com/office/drawing/2010/main" w="9525">
                   <a:solidFill>
                     <a:srgbClr val="000000"/>
                   </a:solidFill>
@@ -19128,7 +19293,7 @@
             </a:ln>
             <a:extLst>
               <a:ext uri="{91240B29-F687-4f45-9708-019B960494DF}">
-                <a14:hiddenLine xmlns:a14="http://schemas.microsoft.com/office/drawing/2010/main" xmlns:p14="http://schemas.microsoft.com/office/powerpoint/2010/main" xmlns:a16="http://schemas.microsoft.com/office/drawing/2014/main" xmlns="" w="9525">
+                <a14:hiddenLine xmlns="" xmlns:a16="http://schemas.microsoft.com/office/drawing/2014/main" xmlns:p14="http://schemas.microsoft.com/office/powerpoint/2010/main" xmlns:a14="http://schemas.microsoft.com/office/drawing/2010/main" w="9525">
                   <a:solidFill>
                     <a:srgbClr val="000000"/>
                   </a:solidFill>
@@ -19233,7 +19398,7 @@
             </a:ln>
             <a:extLst>
               <a:ext uri="{91240B29-F687-4f45-9708-019B960494DF}">
-                <a14:hiddenLine xmlns:a14="http://schemas.microsoft.com/office/drawing/2010/main" xmlns:p14="http://schemas.microsoft.com/office/powerpoint/2010/main" xmlns:a16="http://schemas.microsoft.com/office/drawing/2014/main" xmlns="" w="9525">
+                <a14:hiddenLine xmlns="" xmlns:a16="http://schemas.microsoft.com/office/drawing/2014/main" xmlns:p14="http://schemas.microsoft.com/office/powerpoint/2010/main" xmlns:a14="http://schemas.microsoft.com/office/drawing/2010/main" w="9525">
                   <a:solidFill>
                     <a:srgbClr val="000000"/>
                   </a:solidFill>
@@ -19338,7 +19503,7 @@
             </a:ln>
             <a:extLst>
               <a:ext uri="{91240B29-F687-4f45-9708-019B960494DF}">
-                <a14:hiddenLine xmlns:a14="http://schemas.microsoft.com/office/drawing/2010/main" xmlns:p14="http://schemas.microsoft.com/office/powerpoint/2010/main" xmlns:a16="http://schemas.microsoft.com/office/drawing/2014/main" xmlns="" w="9525">
+                <a14:hiddenLine xmlns="" xmlns:a16="http://schemas.microsoft.com/office/drawing/2014/main" xmlns:p14="http://schemas.microsoft.com/office/powerpoint/2010/main" xmlns:a14="http://schemas.microsoft.com/office/drawing/2010/main" w="9525">
                   <a:solidFill>
                     <a:srgbClr val="000000"/>
                   </a:solidFill>
@@ -19415,7 +19580,7 @@
             </a:ln>
             <a:extLst>
               <a:ext uri="{91240B29-F687-4f45-9708-019B960494DF}">
-                <a14:hiddenLine xmlns:a14="http://schemas.microsoft.com/office/drawing/2010/main" xmlns:p14="http://schemas.microsoft.com/office/powerpoint/2010/main" xmlns:a16="http://schemas.microsoft.com/office/drawing/2014/main" xmlns="" w="9525">
+                <a14:hiddenLine xmlns="" xmlns:a16="http://schemas.microsoft.com/office/drawing/2014/main" xmlns:p14="http://schemas.microsoft.com/office/powerpoint/2010/main" xmlns:a14="http://schemas.microsoft.com/office/drawing/2010/main" w="9525">
                   <a:solidFill>
                     <a:srgbClr val="000000"/>
                   </a:solidFill>
@@ -19540,7 +19705,7 @@
             </a:ln>
             <a:extLst>
               <a:ext uri="{91240B29-F687-4f45-9708-019B960494DF}">
-                <a14:hiddenLine xmlns:a14="http://schemas.microsoft.com/office/drawing/2010/main" xmlns:p14="http://schemas.microsoft.com/office/powerpoint/2010/main" xmlns:a16="http://schemas.microsoft.com/office/drawing/2014/main" xmlns="" w="9525">
+                <a14:hiddenLine xmlns="" xmlns:a16="http://schemas.microsoft.com/office/drawing/2014/main" xmlns:p14="http://schemas.microsoft.com/office/powerpoint/2010/main" xmlns:a14="http://schemas.microsoft.com/office/drawing/2010/main" w="9525">
                   <a:solidFill>
                     <a:srgbClr val="000000"/>
                   </a:solidFill>
@@ -19654,7 +19819,7 @@
             </a:ln>
             <a:extLst>
               <a:ext uri="{91240B29-F687-4f45-9708-019B960494DF}">
-                <a14:hiddenLine xmlns:a14="http://schemas.microsoft.com/office/drawing/2010/main" xmlns:p14="http://schemas.microsoft.com/office/powerpoint/2010/main" xmlns:a16="http://schemas.microsoft.com/office/drawing/2014/main" xmlns="" w="9525">
+                <a14:hiddenLine xmlns="" xmlns:a16="http://schemas.microsoft.com/office/drawing/2014/main" xmlns:p14="http://schemas.microsoft.com/office/powerpoint/2010/main" xmlns:a14="http://schemas.microsoft.com/office/drawing/2010/main" w="9525">
                   <a:solidFill>
                     <a:srgbClr val="000000"/>
                   </a:solidFill>
@@ -19731,7 +19896,7 @@
             </a:ln>
             <a:extLst>
               <a:ext uri="{91240B29-F687-4f45-9708-019B960494DF}">
-                <a14:hiddenLine xmlns:a14="http://schemas.microsoft.com/office/drawing/2010/main" xmlns:p14="http://schemas.microsoft.com/office/powerpoint/2010/main" xmlns:a16="http://schemas.microsoft.com/office/drawing/2014/main" xmlns="" w="9525">
+                <a14:hiddenLine xmlns="" xmlns:a16="http://schemas.microsoft.com/office/drawing/2014/main" xmlns:p14="http://schemas.microsoft.com/office/powerpoint/2010/main" xmlns:a14="http://schemas.microsoft.com/office/drawing/2010/main" w="9525">
                   <a:solidFill>
                     <a:srgbClr val="000000"/>
                   </a:solidFill>
@@ -19808,7 +19973,7 @@
             </a:ln>
             <a:extLst>
               <a:ext uri="{91240B29-F687-4f45-9708-019B960494DF}">
-                <a14:hiddenLine xmlns:a14="http://schemas.microsoft.com/office/drawing/2010/main" xmlns:p14="http://schemas.microsoft.com/office/powerpoint/2010/main" xmlns:a16="http://schemas.microsoft.com/office/drawing/2014/main" xmlns="" w="9525">
+                <a14:hiddenLine xmlns="" xmlns:a16="http://schemas.microsoft.com/office/drawing/2014/main" xmlns:p14="http://schemas.microsoft.com/office/powerpoint/2010/main" xmlns:a14="http://schemas.microsoft.com/office/drawing/2010/main" w="9525">
                   <a:solidFill>
                     <a:srgbClr val="000000"/>
                   </a:solidFill>
@@ -19913,7 +20078,7 @@
             </a:ln>
             <a:extLst>
               <a:ext uri="{91240B29-F687-4f45-9708-019B960494DF}">
-                <a14:hiddenLine xmlns:a14="http://schemas.microsoft.com/office/drawing/2010/main" xmlns:p14="http://schemas.microsoft.com/office/powerpoint/2010/main" xmlns:a16="http://schemas.microsoft.com/office/drawing/2014/main" xmlns="" w="9525">
+                <a14:hiddenLine xmlns="" xmlns:a16="http://schemas.microsoft.com/office/drawing/2014/main" xmlns:p14="http://schemas.microsoft.com/office/powerpoint/2010/main" xmlns:a14="http://schemas.microsoft.com/office/drawing/2010/main" w="9525">
                   <a:solidFill>
                     <a:srgbClr val="000000"/>
                   </a:solidFill>
@@ -19962,7 +20127,7 @@
             </a:ln>
             <a:extLst>
               <a:ext uri="{91240B29-F687-4f45-9708-019B960494DF}">
-                <a14:hiddenLine xmlns:a14="http://schemas.microsoft.com/office/drawing/2010/main" xmlns:p14="http://schemas.microsoft.com/office/powerpoint/2010/main" xmlns:a16="http://schemas.microsoft.com/office/drawing/2014/main" xmlns="" w="9525">
+                <a14:hiddenLine xmlns="" xmlns:a16="http://schemas.microsoft.com/office/drawing/2014/main" xmlns:p14="http://schemas.microsoft.com/office/powerpoint/2010/main" xmlns:a14="http://schemas.microsoft.com/office/drawing/2010/main" w="9525">
                   <a:solidFill>
                     <a:srgbClr val="000000"/>
                   </a:solidFill>
@@ -20042,7 +20207,7 @@
             </a:ln>
             <a:extLst>
               <a:ext uri="{91240B29-F687-4f45-9708-019B960494DF}">
-                <a14:hiddenLine xmlns:a14="http://schemas.microsoft.com/office/drawing/2010/main" xmlns:p14="http://schemas.microsoft.com/office/powerpoint/2010/main" xmlns:a16="http://schemas.microsoft.com/office/drawing/2014/main" xmlns="" w="9525">
+                <a14:hiddenLine xmlns="" xmlns:a16="http://schemas.microsoft.com/office/drawing/2014/main" xmlns:p14="http://schemas.microsoft.com/office/powerpoint/2010/main" xmlns:a14="http://schemas.microsoft.com/office/drawing/2010/main" w="9525">
                   <a:solidFill>
                     <a:srgbClr val="000000"/>
                   </a:solidFill>
@@ -20147,7 +20312,7 @@
             </a:ln>
             <a:extLst>
               <a:ext uri="{91240B29-F687-4f45-9708-019B960494DF}">
-                <a14:hiddenLine xmlns:a14="http://schemas.microsoft.com/office/drawing/2010/main" xmlns:p14="http://schemas.microsoft.com/office/powerpoint/2010/main" xmlns:a16="http://schemas.microsoft.com/office/drawing/2014/main" xmlns="" w="9525">
+                <a14:hiddenLine xmlns="" xmlns:a16="http://schemas.microsoft.com/office/drawing/2014/main" xmlns:p14="http://schemas.microsoft.com/office/powerpoint/2010/main" xmlns:a14="http://schemas.microsoft.com/office/drawing/2010/main" w="9525">
                   <a:solidFill>
                     <a:srgbClr val="000000"/>
                   </a:solidFill>
@@ -20224,7 +20389,7 @@
             </a:ln>
             <a:extLst>
               <a:ext uri="{91240B29-F687-4f45-9708-019B960494DF}">
-                <a14:hiddenLine xmlns:a14="http://schemas.microsoft.com/office/drawing/2010/main" xmlns:p14="http://schemas.microsoft.com/office/powerpoint/2010/main" xmlns:a16="http://schemas.microsoft.com/office/drawing/2014/main" xmlns="" w="9525">
+                <a14:hiddenLine xmlns="" xmlns:a16="http://schemas.microsoft.com/office/drawing/2014/main" xmlns:p14="http://schemas.microsoft.com/office/powerpoint/2010/main" xmlns:a14="http://schemas.microsoft.com/office/drawing/2010/main" w="9525">
                   <a:solidFill>
                     <a:srgbClr val="000000"/>
                   </a:solidFill>
@@ -20329,7 +20494,7 @@
             </a:ln>
             <a:extLst>
               <a:ext uri="{91240B29-F687-4f45-9708-019B960494DF}">
-                <a14:hiddenLine xmlns:a14="http://schemas.microsoft.com/office/drawing/2010/main" xmlns:p14="http://schemas.microsoft.com/office/powerpoint/2010/main" xmlns:a16="http://schemas.microsoft.com/office/drawing/2014/main" xmlns="" w="9525">
+                <a14:hiddenLine xmlns="" xmlns:a16="http://schemas.microsoft.com/office/drawing/2014/main" xmlns:p14="http://schemas.microsoft.com/office/powerpoint/2010/main" xmlns:a14="http://schemas.microsoft.com/office/drawing/2010/main" w="9525">
                   <a:solidFill>
                     <a:srgbClr val="000000"/>
                   </a:solidFill>
@@ -20409,7 +20574,7 @@
             </a:ln>
             <a:extLst>
               <a:ext uri="{91240B29-F687-4f45-9708-019B960494DF}">
-                <a14:hiddenLine xmlns:a14="http://schemas.microsoft.com/office/drawing/2010/main" xmlns:p14="http://schemas.microsoft.com/office/powerpoint/2010/main" xmlns:a16="http://schemas.microsoft.com/office/drawing/2014/main" xmlns="" w="9525">
+                <a14:hiddenLine xmlns="" xmlns:a16="http://schemas.microsoft.com/office/drawing/2014/main" xmlns:p14="http://schemas.microsoft.com/office/powerpoint/2010/main" xmlns:a14="http://schemas.microsoft.com/office/drawing/2010/main" w="9525">
                   <a:solidFill>
                     <a:srgbClr val="000000"/>
                   </a:solidFill>
@@ -20486,7 +20651,7 @@
             </a:ln>
             <a:extLst>
               <a:ext uri="{91240B29-F687-4f45-9708-019B960494DF}">
-                <a14:hiddenLine xmlns:a14="http://schemas.microsoft.com/office/drawing/2010/main" xmlns:p14="http://schemas.microsoft.com/office/powerpoint/2010/main" xmlns:a16="http://schemas.microsoft.com/office/drawing/2014/main" xmlns="" w="9525">
+                <a14:hiddenLine xmlns="" xmlns:a16="http://schemas.microsoft.com/office/drawing/2014/main" xmlns:p14="http://schemas.microsoft.com/office/powerpoint/2010/main" xmlns:a14="http://schemas.microsoft.com/office/drawing/2010/main" w="9525">
                   <a:solidFill>
                     <a:srgbClr val="000000"/>
                   </a:solidFill>
@@ -20591,7 +20756,7 @@
             </a:ln>
             <a:extLst>
               <a:ext uri="{91240B29-F687-4f45-9708-019B960494DF}">
-                <a14:hiddenLine xmlns:a14="http://schemas.microsoft.com/office/drawing/2010/main" xmlns:p14="http://schemas.microsoft.com/office/powerpoint/2010/main" xmlns:a16="http://schemas.microsoft.com/office/drawing/2014/main" xmlns="" w="9525">
+                <a14:hiddenLine xmlns="" xmlns:a16="http://schemas.microsoft.com/office/drawing/2014/main" xmlns:p14="http://schemas.microsoft.com/office/powerpoint/2010/main" xmlns:a14="http://schemas.microsoft.com/office/drawing/2010/main" w="9525">
                   <a:solidFill>
                     <a:srgbClr val="000000"/>
                   </a:solidFill>
@@ -20696,7 +20861,7 @@
             </a:ln>
             <a:extLst>
               <a:ext uri="{91240B29-F687-4f45-9708-019B960494DF}">
-                <a14:hiddenLine xmlns:a14="http://schemas.microsoft.com/office/drawing/2010/main" xmlns:p14="http://schemas.microsoft.com/office/powerpoint/2010/main" xmlns:a16="http://schemas.microsoft.com/office/drawing/2014/main" xmlns="" w="9525">
+                <a14:hiddenLine xmlns="" xmlns:a16="http://schemas.microsoft.com/office/drawing/2014/main" xmlns:p14="http://schemas.microsoft.com/office/powerpoint/2010/main" xmlns:a14="http://schemas.microsoft.com/office/drawing/2010/main" w="9525">
                   <a:solidFill>
                     <a:srgbClr val="000000"/>
                   </a:solidFill>
@@ -20776,7 +20941,7 @@
             </a:ln>
             <a:extLst>
               <a:ext uri="{91240B29-F687-4f45-9708-019B960494DF}">
-                <a14:hiddenLine xmlns:a14="http://schemas.microsoft.com/office/drawing/2010/main" xmlns:p14="http://schemas.microsoft.com/office/powerpoint/2010/main" xmlns:a16="http://schemas.microsoft.com/office/drawing/2014/main" xmlns="" w="9525">
+                <a14:hiddenLine xmlns="" xmlns:a16="http://schemas.microsoft.com/office/drawing/2014/main" xmlns:p14="http://schemas.microsoft.com/office/powerpoint/2010/main" xmlns:a14="http://schemas.microsoft.com/office/drawing/2010/main" w="9525">
                   <a:solidFill>
                     <a:srgbClr val="000000"/>
                   </a:solidFill>
@@ -20911,7 +21076,7 @@
             </a:ln>
             <a:extLst>
               <a:ext uri="{91240B29-F687-4f45-9708-019B960494DF}">
-                <a14:hiddenLine xmlns:a14="http://schemas.microsoft.com/office/drawing/2010/main" xmlns:p14="http://schemas.microsoft.com/office/powerpoint/2010/main" xmlns:a16="http://schemas.microsoft.com/office/drawing/2014/main" xmlns="" w="9525">
+                <a14:hiddenLine xmlns="" xmlns:a16="http://schemas.microsoft.com/office/drawing/2014/main" xmlns:p14="http://schemas.microsoft.com/office/powerpoint/2010/main" xmlns:a14="http://schemas.microsoft.com/office/drawing/2010/main" w="9525">
                   <a:solidFill>
                     <a:srgbClr val="000000"/>
                   </a:solidFill>
@@ -21203,7 +21368,7 @@
               </a:ln>
               <a:extLst>
                 <a:ext uri="{91240B29-F687-4f45-9708-019B960494DF}">
-                  <a14:hiddenLine xmlns:a14="http://schemas.microsoft.com/office/drawing/2010/main" xmlns:p14="http://schemas.microsoft.com/office/powerpoint/2010/main" xmlns:a16="http://schemas.microsoft.com/office/drawing/2014/main" xmlns="" w="9525">
+                  <a14:hiddenLine xmlns="" xmlns:a16="http://schemas.microsoft.com/office/drawing/2014/main" xmlns:p14="http://schemas.microsoft.com/office/powerpoint/2010/main" xmlns:a14="http://schemas.microsoft.com/office/drawing/2010/main" w="9525">
                     <a:solidFill>
                       <a:srgbClr val="000000"/>
                     </a:solidFill>
@@ -21308,7 +21473,7 @@
               </a:ln>
               <a:extLst>
                 <a:ext uri="{91240B29-F687-4f45-9708-019B960494DF}">
-                  <a14:hiddenLine xmlns:a14="http://schemas.microsoft.com/office/drawing/2010/main" xmlns:p14="http://schemas.microsoft.com/office/powerpoint/2010/main" xmlns:a16="http://schemas.microsoft.com/office/drawing/2014/main" xmlns="" w="9525">
+                  <a14:hiddenLine xmlns="" xmlns:a16="http://schemas.microsoft.com/office/drawing/2014/main" xmlns:p14="http://schemas.microsoft.com/office/powerpoint/2010/main" xmlns:a14="http://schemas.microsoft.com/office/drawing/2010/main" w="9525">
                     <a:solidFill>
                       <a:srgbClr val="000000"/>
                     </a:solidFill>
@@ -21413,7 +21578,7 @@
               </a:ln>
               <a:extLst>
                 <a:ext uri="{91240B29-F687-4f45-9708-019B960494DF}">
-                  <a14:hiddenLine xmlns:a14="http://schemas.microsoft.com/office/drawing/2010/main" xmlns:p14="http://schemas.microsoft.com/office/powerpoint/2010/main" xmlns:a16="http://schemas.microsoft.com/office/drawing/2014/main" xmlns="" w="9525">
+                  <a14:hiddenLine xmlns="" xmlns:a16="http://schemas.microsoft.com/office/drawing/2014/main" xmlns:p14="http://schemas.microsoft.com/office/powerpoint/2010/main" xmlns:a14="http://schemas.microsoft.com/office/drawing/2010/main" w="9525">
                     <a:solidFill>
                       <a:srgbClr val="000000"/>
                     </a:solidFill>
@@ -21490,7 +21655,7 @@
               </a:ln>
               <a:extLst>
                 <a:ext uri="{91240B29-F687-4f45-9708-019B960494DF}">
-                  <a14:hiddenLine xmlns:a14="http://schemas.microsoft.com/office/drawing/2010/main" xmlns:p14="http://schemas.microsoft.com/office/powerpoint/2010/main" xmlns:a16="http://schemas.microsoft.com/office/drawing/2014/main" xmlns="" w="9525">
+                  <a14:hiddenLine xmlns="" xmlns:a16="http://schemas.microsoft.com/office/drawing/2014/main" xmlns:p14="http://schemas.microsoft.com/office/powerpoint/2010/main" xmlns:a14="http://schemas.microsoft.com/office/drawing/2010/main" w="9525">
                     <a:solidFill>
                       <a:srgbClr val="000000"/>
                     </a:solidFill>
@@ -21595,7 +21760,7 @@
               </a:ln>
               <a:extLst>
                 <a:ext uri="{91240B29-F687-4f45-9708-019B960494DF}">
-                  <a14:hiddenLine xmlns:a14="http://schemas.microsoft.com/office/drawing/2010/main" xmlns:p14="http://schemas.microsoft.com/office/powerpoint/2010/main" xmlns:a16="http://schemas.microsoft.com/office/drawing/2014/main" xmlns="" w="9525">
+                  <a14:hiddenLine xmlns="" xmlns:a16="http://schemas.microsoft.com/office/drawing/2014/main" xmlns:p14="http://schemas.microsoft.com/office/powerpoint/2010/main" xmlns:a14="http://schemas.microsoft.com/office/drawing/2010/main" w="9525">
                     <a:solidFill>
                       <a:srgbClr val="000000"/>
                     </a:solidFill>
@@ -21672,7 +21837,7 @@
               </a:ln>
               <a:extLst>
                 <a:ext uri="{91240B29-F687-4f45-9708-019B960494DF}">
-                  <a14:hiddenLine xmlns:a14="http://schemas.microsoft.com/office/drawing/2010/main" xmlns:p14="http://schemas.microsoft.com/office/powerpoint/2010/main" xmlns:a16="http://schemas.microsoft.com/office/drawing/2014/main" xmlns="" w="9525">
+                  <a14:hiddenLine xmlns="" xmlns:a16="http://schemas.microsoft.com/office/drawing/2014/main" xmlns:p14="http://schemas.microsoft.com/office/powerpoint/2010/main" xmlns:a14="http://schemas.microsoft.com/office/drawing/2010/main" w="9525">
                     <a:solidFill>
                       <a:srgbClr val="000000"/>
                     </a:solidFill>
@@ -21749,7 +21914,7 @@
               </a:ln>
               <a:extLst>
                 <a:ext uri="{91240B29-F687-4f45-9708-019B960494DF}">
-                  <a14:hiddenLine xmlns:a14="http://schemas.microsoft.com/office/drawing/2010/main" xmlns:p14="http://schemas.microsoft.com/office/powerpoint/2010/main" xmlns:a16="http://schemas.microsoft.com/office/drawing/2014/main" xmlns="" w="9525">
+                  <a14:hiddenLine xmlns="" xmlns:a16="http://schemas.microsoft.com/office/drawing/2014/main" xmlns:p14="http://schemas.microsoft.com/office/powerpoint/2010/main" xmlns:a14="http://schemas.microsoft.com/office/drawing/2010/main" w="9525">
                     <a:solidFill>
                       <a:srgbClr val="000000"/>
                     </a:solidFill>
@@ -21854,7 +22019,7 @@
               </a:ln>
               <a:extLst>
                 <a:ext uri="{91240B29-F687-4f45-9708-019B960494DF}">
-                  <a14:hiddenLine xmlns:a14="http://schemas.microsoft.com/office/drawing/2010/main" xmlns:p14="http://schemas.microsoft.com/office/powerpoint/2010/main" xmlns:a16="http://schemas.microsoft.com/office/drawing/2014/main" xmlns="" w="9525">
+                  <a14:hiddenLine xmlns="" xmlns:a16="http://schemas.microsoft.com/office/drawing/2014/main" xmlns:p14="http://schemas.microsoft.com/office/powerpoint/2010/main" xmlns:a14="http://schemas.microsoft.com/office/drawing/2010/main" w="9525">
                     <a:solidFill>
                       <a:srgbClr val="000000"/>
                     </a:solidFill>
@@ -21959,7 +22124,7 @@
               </a:ln>
               <a:extLst>
                 <a:ext uri="{91240B29-F687-4f45-9708-019B960494DF}">
-                  <a14:hiddenLine xmlns:a14="http://schemas.microsoft.com/office/drawing/2010/main" xmlns:p14="http://schemas.microsoft.com/office/powerpoint/2010/main" xmlns:a16="http://schemas.microsoft.com/office/drawing/2014/main" xmlns="" w="9525">
+                  <a14:hiddenLine xmlns="" xmlns:a16="http://schemas.microsoft.com/office/drawing/2014/main" xmlns:p14="http://schemas.microsoft.com/office/powerpoint/2010/main" xmlns:a14="http://schemas.microsoft.com/office/drawing/2010/main" w="9525">
                     <a:solidFill>
                       <a:srgbClr val="000000"/>
                     </a:solidFill>
@@ -22036,7 +22201,7 @@
               </a:ln>
               <a:extLst>
                 <a:ext uri="{91240B29-F687-4f45-9708-019B960494DF}">
-                  <a14:hiddenLine xmlns:a14="http://schemas.microsoft.com/office/drawing/2010/main" xmlns:p14="http://schemas.microsoft.com/office/powerpoint/2010/main" xmlns:a16="http://schemas.microsoft.com/office/drawing/2014/main" xmlns="" w="9525">
+                  <a14:hiddenLine xmlns="" xmlns:a16="http://schemas.microsoft.com/office/drawing/2014/main" xmlns:p14="http://schemas.microsoft.com/office/powerpoint/2010/main" xmlns:a14="http://schemas.microsoft.com/office/drawing/2010/main" w="9525">
                     <a:solidFill>
                       <a:srgbClr val="000000"/>
                     </a:solidFill>
@@ -22161,7 +22326,7 @@
               </a:ln>
               <a:extLst>
                 <a:ext uri="{91240B29-F687-4f45-9708-019B960494DF}">
-                  <a14:hiddenLine xmlns:a14="http://schemas.microsoft.com/office/drawing/2010/main" xmlns:p14="http://schemas.microsoft.com/office/powerpoint/2010/main" xmlns:a16="http://schemas.microsoft.com/office/drawing/2014/main" xmlns="" w="9525">
+                  <a14:hiddenLine xmlns="" xmlns:a16="http://schemas.microsoft.com/office/drawing/2014/main" xmlns:p14="http://schemas.microsoft.com/office/powerpoint/2010/main" xmlns:a14="http://schemas.microsoft.com/office/drawing/2010/main" w="9525">
                     <a:solidFill>
                       <a:srgbClr val="000000"/>
                     </a:solidFill>
@@ -22275,7 +22440,7 @@
               </a:ln>
               <a:extLst>
                 <a:ext uri="{91240B29-F687-4f45-9708-019B960494DF}">
-                  <a14:hiddenLine xmlns:a14="http://schemas.microsoft.com/office/drawing/2010/main" xmlns:p14="http://schemas.microsoft.com/office/powerpoint/2010/main" xmlns:a16="http://schemas.microsoft.com/office/drawing/2014/main" xmlns="" w="9525">
+                  <a14:hiddenLine xmlns="" xmlns:a16="http://schemas.microsoft.com/office/drawing/2014/main" xmlns:p14="http://schemas.microsoft.com/office/powerpoint/2010/main" xmlns:a14="http://schemas.microsoft.com/office/drawing/2010/main" w="9525">
                     <a:solidFill>
                       <a:srgbClr val="000000"/>
                     </a:solidFill>
@@ -22352,7 +22517,7 @@
               </a:ln>
               <a:extLst>
                 <a:ext uri="{91240B29-F687-4f45-9708-019B960494DF}">
-                  <a14:hiddenLine xmlns:a14="http://schemas.microsoft.com/office/drawing/2010/main" xmlns:p14="http://schemas.microsoft.com/office/powerpoint/2010/main" xmlns:a16="http://schemas.microsoft.com/office/drawing/2014/main" xmlns="" w="9525">
+                  <a14:hiddenLine xmlns="" xmlns:a16="http://schemas.microsoft.com/office/drawing/2014/main" xmlns:p14="http://schemas.microsoft.com/office/powerpoint/2010/main" xmlns:a14="http://schemas.microsoft.com/office/drawing/2010/main" w="9525">
                     <a:solidFill>
                       <a:srgbClr val="000000"/>
                     </a:solidFill>
@@ -22429,7 +22594,7 @@
               </a:ln>
               <a:extLst>
                 <a:ext uri="{91240B29-F687-4f45-9708-019B960494DF}">
-                  <a14:hiddenLine xmlns:a14="http://schemas.microsoft.com/office/drawing/2010/main" xmlns:p14="http://schemas.microsoft.com/office/powerpoint/2010/main" xmlns:a16="http://schemas.microsoft.com/office/drawing/2014/main" xmlns="" w="9525">
+                  <a14:hiddenLine xmlns="" xmlns:a16="http://schemas.microsoft.com/office/drawing/2014/main" xmlns:p14="http://schemas.microsoft.com/office/powerpoint/2010/main" xmlns:a14="http://schemas.microsoft.com/office/drawing/2010/main" w="9525">
                     <a:solidFill>
                       <a:srgbClr val="000000"/>
                     </a:solidFill>
@@ -22534,7 +22699,7 @@
               </a:ln>
               <a:extLst>
                 <a:ext uri="{91240B29-F687-4f45-9708-019B960494DF}">
-                  <a14:hiddenLine xmlns:a14="http://schemas.microsoft.com/office/drawing/2010/main" xmlns:p14="http://schemas.microsoft.com/office/powerpoint/2010/main" xmlns:a16="http://schemas.microsoft.com/office/drawing/2014/main" xmlns="" w="9525">
+                  <a14:hiddenLine xmlns="" xmlns:a16="http://schemas.microsoft.com/office/drawing/2014/main" xmlns:p14="http://schemas.microsoft.com/office/powerpoint/2010/main" xmlns:a14="http://schemas.microsoft.com/office/drawing/2010/main" w="9525">
                     <a:solidFill>
                       <a:srgbClr val="000000"/>
                     </a:solidFill>
@@ -22583,7 +22748,7 @@
               </a:ln>
               <a:extLst>
                 <a:ext uri="{91240B29-F687-4f45-9708-019B960494DF}">
-                  <a14:hiddenLine xmlns:a14="http://schemas.microsoft.com/office/drawing/2010/main" xmlns:p14="http://schemas.microsoft.com/office/powerpoint/2010/main" xmlns:a16="http://schemas.microsoft.com/office/drawing/2014/main" xmlns="" w="9525">
+                  <a14:hiddenLine xmlns="" xmlns:a16="http://schemas.microsoft.com/office/drawing/2014/main" xmlns:p14="http://schemas.microsoft.com/office/powerpoint/2010/main" xmlns:a14="http://schemas.microsoft.com/office/drawing/2010/main" w="9525">
                     <a:solidFill>
                       <a:srgbClr val="000000"/>
                     </a:solidFill>
@@ -22663,7 +22828,7 @@
               </a:ln>
               <a:extLst>
                 <a:ext uri="{91240B29-F687-4f45-9708-019B960494DF}">
-                  <a14:hiddenLine xmlns:a14="http://schemas.microsoft.com/office/drawing/2010/main" xmlns:p14="http://schemas.microsoft.com/office/powerpoint/2010/main" xmlns:a16="http://schemas.microsoft.com/office/drawing/2014/main" xmlns="" w="9525">
+                  <a14:hiddenLine xmlns="" xmlns:a16="http://schemas.microsoft.com/office/drawing/2014/main" xmlns:p14="http://schemas.microsoft.com/office/powerpoint/2010/main" xmlns:a14="http://schemas.microsoft.com/office/drawing/2010/main" w="9525">
                     <a:solidFill>
                       <a:srgbClr val="000000"/>
                     </a:solidFill>
@@ -22768,7 +22933,7 @@
               </a:ln>
               <a:extLst>
                 <a:ext uri="{91240B29-F687-4f45-9708-019B960494DF}">
-                  <a14:hiddenLine xmlns:a14="http://schemas.microsoft.com/office/drawing/2010/main" xmlns:p14="http://schemas.microsoft.com/office/powerpoint/2010/main" xmlns:a16="http://schemas.microsoft.com/office/drawing/2014/main" xmlns="" w="9525">
+                  <a14:hiddenLine xmlns="" xmlns:a16="http://schemas.microsoft.com/office/drawing/2014/main" xmlns:p14="http://schemas.microsoft.com/office/powerpoint/2010/main" xmlns:a14="http://schemas.microsoft.com/office/drawing/2010/main" w="9525">
                     <a:solidFill>
                       <a:srgbClr val="000000"/>
                     </a:solidFill>
@@ -22845,7 +23010,7 @@
               </a:ln>
               <a:extLst>
                 <a:ext uri="{91240B29-F687-4f45-9708-019B960494DF}">
-                  <a14:hiddenLine xmlns:a14="http://schemas.microsoft.com/office/drawing/2010/main" xmlns:p14="http://schemas.microsoft.com/office/powerpoint/2010/main" xmlns:a16="http://schemas.microsoft.com/office/drawing/2014/main" xmlns="" w="9525">
+                  <a14:hiddenLine xmlns="" xmlns:a16="http://schemas.microsoft.com/office/drawing/2014/main" xmlns:p14="http://schemas.microsoft.com/office/powerpoint/2010/main" xmlns:a14="http://schemas.microsoft.com/office/drawing/2010/main" w="9525">
                     <a:solidFill>
                       <a:srgbClr val="000000"/>
                     </a:solidFill>
@@ -22950,7 +23115,7 @@
               </a:ln>
               <a:extLst>
                 <a:ext uri="{91240B29-F687-4f45-9708-019B960494DF}">
-                  <a14:hiddenLine xmlns:a14="http://schemas.microsoft.com/office/drawing/2010/main" xmlns:p14="http://schemas.microsoft.com/office/powerpoint/2010/main" xmlns:a16="http://schemas.microsoft.com/office/drawing/2014/main" xmlns="" w="9525">
+                  <a14:hiddenLine xmlns="" xmlns:a16="http://schemas.microsoft.com/office/drawing/2014/main" xmlns:p14="http://schemas.microsoft.com/office/powerpoint/2010/main" xmlns:a14="http://schemas.microsoft.com/office/drawing/2010/main" w="9525">
                     <a:solidFill>
                       <a:srgbClr val="000000"/>
                     </a:solidFill>
@@ -23030,7 +23195,7 @@
               </a:ln>
               <a:extLst>
                 <a:ext uri="{91240B29-F687-4f45-9708-019B960494DF}">
-                  <a14:hiddenLine xmlns:a14="http://schemas.microsoft.com/office/drawing/2010/main" xmlns:p14="http://schemas.microsoft.com/office/powerpoint/2010/main" xmlns:a16="http://schemas.microsoft.com/office/drawing/2014/main" xmlns="" w="9525">
+                  <a14:hiddenLine xmlns="" xmlns:a16="http://schemas.microsoft.com/office/drawing/2014/main" xmlns:p14="http://schemas.microsoft.com/office/powerpoint/2010/main" xmlns:a14="http://schemas.microsoft.com/office/drawing/2010/main" w="9525">
                     <a:solidFill>
                       <a:srgbClr val="000000"/>
                     </a:solidFill>
@@ -23107,7 +23272,7 @@
               </a:ln>
               <a:extLst>
                 <a:ext uri="{91240B29-F687-4f45-9708-019B960494DF}">
-                  <a14:hiddenLine xmlns:a14="http://schemas.microsoft.com/office/drawing/2010/main" xmlns:p14="http://schemas.microsoft.com/office/powerpoint/2010/main" xmlns:a16="http://schemas.microsoft.com/office/drawing/2014/main" xmlns="" w="9525">
+                  <a14:hiddenLine xmlns="" xmlns:a16="http://schemas.microsoft.com/office/drawing/2014/main" xmlns:p14="http://schemas.microsoft.com/office/powerpoint/2010/main" xmlns:a14="http://schemas.microsoft.com/office/drawing/2010/main" w="9525">
                     <a:solidFill>
                       <a:srgbClr val="000000"/>
                     </a:solidFill>
@@ -23212,7 +23377,7 @@
               </a:ln>
               <a:extLst>
                 <a:ext uri="{91240B29-F687-4f45-9708-019B960494DF}">
-                  <a14:hiddenLine xmlns:a14="http://schemas.microsoft.com/office/drawing/2010/main" xmlns:p14="http://schemas.microsoft.com/office/powerpoint/2010/main" xmlns:a16="http://schemas.microsoft.com/office/drawing/2014/main" xmlns="" w="9525">
+                  <a14:hiddenLine xmlns="" xmlns:a16="http://schemas.microsoft.com/office/drawing/2014/main" xmlns:p14="http://schemas.microsoft.com/office/powerpoint/2010/main" xmlns:a14="http://schemas.microsoft.com/office/drawing/2010/main" w="9525">
                     <a:solidFill>
                       <a:srgbClr val="000000"/>
                     </a:solidFill>
@@ -23317,7 +23482,7 @@
               </a:ln>
               <a:extLst>
                 <a:ext uri="{91240B29-F687-4f45-9708-019B960494DF}">
-                  <a14:hiddenLine xmlns:a14="http://schemas.microsoft.com/office/drawing/2010/main" xmlns:p14="http://schemas.microsoft.com/office/powerpoint/2010/main" xmlns:a16="http://schemas.microsoft.com/office/drawing/2014/main" xmlns="" w="9525">
+                  <a14:hiddenLine xmlns="" xmlns:a16="http://schemas.microsoft.com/office/drawing/2014/main" xmlns:p14="http://schemas.microsoft.com/office/powerpoint/2010/main" xmlns:a14="http://schemas.microsoft.com/office/drawing/2010/main" w="9525">
                     <a:solidFill>
                       <a:srgbClr val="000000"/>
                     </a:solidFill>
@@ -23397,7 +23562,7 @@
               </a:ln>
               <a:extLst>
                 <a:ext uri="{91240B29-F687-4f45-9708-019B960494DF}">
-                  <a14:hiddenLine xmlns:a14="http://schemas.microsoft.com/office/drawing/2010/main" xmlns:p14="http://schemas.microsoft.com/office/powerpoint/2010/main" xmlns:a16="http://schemas.microsoft.com/office/drawing/2014/main" xmlns="" w="9525">
+                  <a14:hiddenLine xmlns="" xmlns:a16="http://schemas.microsoft.com/office/drawing/2014/main" xmlns:p14="http://schemas.microsoft.com/office/powerpoint/2010/main" xmlns:a14="http://schemas.microsoft.com/office/drawing/2010/main" w="9525">
                     <a:solidFill>
                       <a:srgbClr val="000000"/>
                     </a:solidFill>
@@ -23532,7 +23697,7 @@
               </a:ln>
               <a:extLst>
                 <a:ext uri="{91240B29-F687-4f45-9708-019B960494DF}">
-                  <a14:hiddenLine xmlns:a14="http://schemas.microsoft.com/office/drawing/2010/main" xmlns:p14="http://schemas.microsoft.com/office/powerpoint/2010/main" xmlns:a16="http://schemas.microsoft.com/office/drawing/2014/main" xmlns="" w="9525">
+                  <a14:hiddenLine xmlns="" xmlns:a16="http://schemas.microsoft.com/office/drawing/2014/main" xmlns:p14="http://schemas.microsoft.com/office/powerpoint/2010/main" xmlns:a14="http://schemas.microsoft.com/office/drawing/2010/main" w="9525">
                     <a:solidFill>
                       <a:srgbClr val="000000"/>
                     </a:solidFill>
@@ -23657,7 +23822,7 @@
               </a:ln>
               <a:extLst>
                 <a:ext uri="{91240B29-F687-4f45-9708-019B960494DF}">
-                  <a14:hiddenLine xmlns:a14="http://schemas.microsoft.com/office/drawing/2010/main" xmlns:p14="http://schemas.microsoft.com/office/powerpoint/2010/main" xmlns:a16="http://schemas.microsoft.com/office/drawing/2014/main" xmlns="" w="9525">
+                  <a14:hiddenLine xmlns="" xmlns:a16="http://schemas.microsoft.com/office/drawing/2014/main" xmlns:p14="http://schemas.microsoft.com/office/powerpoint/2010/main" xmlns:a14="http://schemas.microsoft.com/office/drawing/2010/main" w="9525">
                     <a:solidFill>
                       <a:srgbClr val="000000"/>
                     </a:solidFill>
@@ -23787,7 +23952,7 @@
               </a:ln>
               <a:extLst>
                 <a:ext uri="{91240B29-F687-4f45-9708-019B960494DF}">
-                  <a14:hiddenLine xmlns:a14="http://schemas.microsoft.com/office/drawing/2010/main" xmlns:p14="http://schemas.microsoft.com/office/powerpoint/2010/main" xmlns:a16="http://schemas.microsoft.com/office/drawing/2014/main" xmlns="" w="9525">
+                  <a14:hiddenLine xmlns="" xmlns:a16="http://schemas.microsoft.com/office/drawing/2014/main" xmlns:p14="http://schemas.microsoft.com/office/powerpoint/2010/main" xmlns:a14="http://schemas.microsoft.com/office/drawing/2010/main" w="9525">
                     <a:solidFill>
                       <a:srgbClr val="000000"/>
                     </a:solidFill>
@@ -23892,7 +24057,7 @@
               </a:ln>
               <a:extLst>
                 <a:ext uri="{91240B29-F687-4f45-9708-019B960494DF}">
-                  <a14:hiddenLine xmlns:a14="http://schemas.microsoft.com/office/drawing/2010/main" xmlns:p14="http://schemas.microsoft.com/office/powerpoint/2010/main" xmlns:a16="http://schemas.microsoft.com/office/drawing/2014/main" xmlns="" w="9525">
+                  <a14:hiddenLine xmlns="" xmlns:a16="http://schemas.microsoft.com/office/drawing/2014/main" xmlns:p14="http://schemas.microsoft.com/office/powerpoint/2010/main" xmlns:a14="http://schemas.microsoft.com/office/drawing/2010/main" w="9525">
                     <a:solidFill>
                       <a:srgbClr val="000000"/>
                     </a:solidFill>
@@ -23972,7 +24137,7 @@
               </a:ln>
               <a:extLst>
                 <a:ext uri="{91240B29-F687-4f45-9708-019B960494DF}">
-                  <a14:hiddenLine xmlns:a14="http://schemas.microsoft.com/office/drawing/2010/main" xmlns:p14="http://schemas.microsoft.com/office/powerpoint/2010/main" xmlns:a16="http://schemas.microsoft.com/office/drawing/2014/main" xmlns="" w="9525">
+                  <a14:hiddenLine xmlns="" xmlns:a16="http://schemas.microsoft.com/office/drawing/2014/main" xmlns:p14="http://schemas.microsoft.com/office/powerpoint/2010/main" xmlns:a14="http://schemas.microsoft.com/office/drawing/2010/main" w="9525">
                     <a:solidFill>
                       <a:srgbClr val="000000"/>
                     </a:solidFill>
@@ -24077,7 +24242,7 @@
               </a:ln>
               <a:extLst>
                 <a:ext uri="{91240B29-F687-4f45-9708-019B960494DF}">
-                  <a14:hiddenLine xmlns:a14="http://schemas.microsoft.com/office/drawing/2010/main" xmlns:p14="http://schemas.microsoft.com/office/powerpoint/2010/main" xmlns:a16="http://schemas.microsoft.com/office/drawing/2014/main" xmlns="" w="9525">
+                  <a14:hiddenLine xmlns="" xmlns:a16="http://schemas.microsoft.com/office/drawing/2014/main" xmlns:p14="http://schemas.microsoft.com/office/powerpoint/2010/main" xmlns:a14="http://schemas.microsoft.com/office/drawing/2010/main" w="9525">
                     <a:solidFill>
                       <a:srgbClr val="000000"/>
                     </a:solidFill>
@@ -24160,7 +24325,7 @@
               </a:ln>
               <a:extLst>
                 <a:ext uri="{91240B29-F687-4f45-9708-019B960494DF}">
-                  <a14:hiddenLine xmlns:a14="http://schemas.microsoft.com/office/drawing/2010/main" xmlns:p14="http://schemas.microsoft.com/office/powerpoint/2010/main" xmlns:a16="http://schemas.microsoft.com/office/drawing/2014/main" xmlns="" w="9525">
+                  <a14:hiddenLine xmlns="" xmlns:a16="http://schemas.microsoft.com/office/drawing/2014/main" xmlns:p14="http://schemas.microsoft.com/office/powerpoint/2010/main" xmlns:a14="http://schemas.microsoft.com/office/drawing/2010/main" w="9525">
                     <a:solidFill>
                       <a:srgbClr val="000000"/>
                     </a:solidFill>
@@ -24265,7 +24430,7 @@
               </a:ln>
               <a:extLst>
                 <a:ext uri="{91240B29-F687-4f45-9708-019B960494DF}">
-                  <a14:hiddenLine xmlns:a14="http://schemas.microsoft.com/office/drawing/2010/main" xmlns:p14="http://schemas.microsoft.com/office/powerpoint/2010/main" xmlns:a16="http://schemas.microsoft.com/office/drawing/2014/main" xmlns="" w="9525">
+                  <a14:hiddenLine xmlns="" xmlns:a16="http://schemas.microsoft.com/office/drawing/2014/main" xmlns:p14="http://schemas.microsoft.com/office/powerpoint/2010/main" xmlns:a14="http://schemas.microsoft.com/office/drawing/2010/main" w="9525">
                     <a:solidFill>
                       <a:srgbClr val="000000"/>
                     </a:solidFill>
@@ -24348,7 +24513,7 @@
               </a:ln>
               <a:extLst>
                 <a:ext uri="{91240B29-F687-4f45-9708-019B960494DF}">
-                  <a14:hiddenLine xmlns:a14="http://schemas.microsoft.com/office/drawing/2010/main" xmlns:p14="http://schemas.microsoft.com/office/powerpoint/2010/main" xmlns:a16="http://schemas.microsoft.com/office/drawing/2014/main" xmlns="" w="9525">
+                  <a14:hiddenLine xmlns="" xmlns:a16="http://schemas.microsoft.com/office/drawing/2014/main" xmlns:p14="http://schemas.microsoft.com/office/powerpoint/2010/main" xmlns:a14="http://schemas.microsoft.com/office/drawing/2010/main" w="9525">
                     <a:solidFill>
                       <a:srgbClr val="000000"/>
                     </a:solidFill>
@@ -24453,7 +24618,7 @@
               </a:ln>
               <a:extLst>
                 <a:ext uri="{91240B29-F687-4f45-9708-019B960494DF}">
-                  <a14:hiddenLine xmlns:a14="http://schemas.microsoft.com/office/drawing/2010/main" xmlns:p14="http://schemas.microsoft.com/office/powerpoint/2010/main" xmlns:a16="http://schemas.microsoft.com/office/drawing/2014/main" xmlns="" w="9525">
+                  <a14:hiddenLine xmlns="" xmlns:a16="http://schemas.microsoft.com/office/drawing/2014/main" xmlns:p14="http://schemas.microsoft.com/office/powerpoint/2010/main" xmlns:a14="http://schemas.microsoft.com/office/drawing/2010/main" w="9525">
                     <a:solidFill>
                       <a:srgbClr val="000000"/>
                     </a:solidFill>
@@ -24502,7 +24667,7 @@
               </a:ln>
               <a:extLst>
                 <a:ext uri="{91240B29-F687-4f45-9708-019B960494DF}">
-                  <a14:hiddenLine xmlns:a14="http://schemas.microsoft.com/office/drawing/2010/main" xmlns:p14="http://schemas.microsoft.com/office/powerpoint/2010/main" xmlns:a16="http://schemas.microsoft.com/office/drawing/2014/main" xmlns="" w="9525">
+                  <a14:hiddenLine xmlns="" xmlns:a16="http://schemas.microsoft.com/office/drawing/2014/main" xmlns:p14="http://schemas.microsoft.com/office/powerpoint/2010/main" xmlns:a14="http://schemas.microsoft.com/office/drawing/2010/main" w="9525">
                     <a:solidFill>
                       <a:srgbClr val="000000"/>
                     </a:solidFill>
@@ -24564,7 +24729,7 @@
           <a:noFill/>
           <a:extLst>
             <a:ext uri="{909E8E84-426E-40dd-AFC4-6F175D3DCCD1}">
-              <a14:hiddenFill xmlns:a14="http://schemas.microsoft.com/office/drawing/2010/main" xmlns:p14="http://schemas.microsoft.com/office/powerpoint/2010/main" xmlns:a16="http://schemas.microsoft.com/office/drawing/2014/main" xmlns="">
+              <a14:hiddenFill xmlns="" xmlns:a16="http://schemas.microsoft.com/office/drawing/2014/main" xmlns:p14="http://schemas.microsoft.com/office/powerpoint/2010/main" xmlns:a14="http://schemas.microsoft.com/office/drawing/2010/main">
                 <a:solidFill>
                   <a:srgbClr val="FFFFFF"/>
                 </a:solidFill>
@@ -25208,7 +25373,7 @@
               </a:ln>
               <a:extLst>
                 <a:ext uri="{91240B29-F687-4f45-9708-019B960494DF}">
-                  <a14:hiddenLine xmlns:a14="http://schemas.microsoft.com/office/drawing/2010/main" xmlns:p14="http://schemas.microsoft.com/office/powerpoint/2010/main" xmlns:a16="http://schemas.microsoft.com/office/drawing/2014/main" xmlns="" w="9525">
+                  <a14:hiddenLine xmlns="" xmlns:a16="http://schemas.microsoft.com/office/drawing/2014/main" xmlns:p14="http://schemas.microsoft.com/office/powerpoint/2010/main" xmlns:a14="http://schemas.microsoft.com/office/drawing/2010/main" w="9525">
                     <a:solidFill>
                       <a:srgbClr val="000000"/>
                     </a:solidFill>
@@ -25313,7 +25478,7 @@
               </a:ln>
               <a:extLst>
                 <a:ext uri="{91240B29-F687-4f45-9708-019B960494DF}">
-                  <a14:hiddenLine xmlns:a14="http://schemas.microsoft.com/office/drawing/2010/main" xmlns:p14="http://schemas.microsoft.com/office/powerpoint/2010/main" xmlns:a16="http://schemas.microsoft.com/office/drawing/2014/main" xmlns="" w="9525">
+                  <a14:hiddenLine xmlns="" xmlns:a16="http://schemas.microsoft.com/office/drawing/2014/main" xmlns:p14="http://schemas.microsoft.com/office/powerpoint/2010/main" xmlns:a14="http://schemas.microsoft.com/office/drawing/2010/main" w="9525">
                     <a:solidFill>
                       <a:srgbClr val="000000"/>
                     </a:solidFill>
@@ -25418,7 +25583,7 @@
               </a:ln>
               <a:extLst>
                 <a:ext uri="{91240B29-F687-4f45-9708-019B960494DF}">
-                  <a14:hiddenLine xmlns:a14="http://schemas.microsoft.com/office/drawing/2010/main" xmlns:p14="http://schemas.microsoft.com/office/powerpoint/2010/main" xmlns:a16="http://schemas.microsoft.com/office/drawing/2014/main" xmlns="" w="9525">
+                  <a14:hiddenLine xmlns="" xmlns:a16="http://schemas.microsoft.com/office/drawing/2014/main" xmlns:p14="http://schemas.microsoft.com/office/powerpoint/2010/main" xmlns:a14="http://schemas.microsoft.com/office/drawing/2010/main" w="9525">
                     <a:solidFill>
                       <a:srgbClr val="000000"/>
                     </a:solidFill>
@@ -25495,7 +25660,7 @@
               </a:ln>
               <a:extLst>
                 <a:ext uri="{91240B29-F687-4f45-9708-019B960494DF}">
-                  <a14:hiddenLine xmlns:a14="http://schemas.microsoft.com/office/drawing/2010/main" xmlns:p14="http://schemas.microsoft.com/office/powerpoint/2010/main" xmlns:a16="http://schemas.microsoft.com/office/drawing/2014/main" xmlns="" w="9525">
+                  <a14:hiddenLine xmlns="" xmlns:a16="http://schemas.microsoft.com/office/drawing/2014/main" xmlns:p14="http://schemas.microsoft.com/office/powerpoint/2010/main" xmlns:a14="http://schemas.microsoft.com/office/drawing/2010/main" w="9525">
                     <a:solidFill>
                       <a:srgbClr val="000000"/>
                     </a:solidFill>
@@ -25600,7 +25765,7 @@
               </a:ln>
               <a:extLst>
                 <a:ext uri="{91240B29-F687-4f45-9708-019B960494DF}">
-                  <a14:hiddenLine xmlns:a14="http://schemas.microsoft.com/office/drawing/2010/main" xmlns:p14="http://schemas.microsoft.com/office/powerpoint/2010/main" xmlns:a16="http://schemas.microsoft.com/office/drawing/2014/main" xmlns="" w="9525">
+                  <a14:hiddenLine xmlns="" xmlns:a16="http://schemas.microsoft.com/office/drawing/2014/main" xmlns:p14="http://schemas.microsoft.com/office/powerpoint/2010/main" xmlns:a14="http://schemas.microsoft.com/office/drawing/2010/main" w="9525">
                     <a:solidFill>
                       <a:srgbClr val="000000"/>
                     </a:solidFill>
@@ -25677,7 +25842,7 @@
               </a:ln>
               <a:extLst>
                 <a:ext uri="{91240B29-F687-4f45-9708-019B960494DF}">
-                  <a14:hiddenLine xmlns:a14="http://schemas.microsoft.com/office/drawing/2010/main" xmlns:p14="http://schemas.microsoft.com/office/powerpoint/2010/main" xmlns:a16="http://schemas.microsoft.com/office/drawing/2014/main" xmlns="" w="9525">
+                  <a14:hiddenLine xmlns="" xmlns:a16="http://schemas.microsoft.com/office/drawing/2014/main" xmlns:p14="http://schemas.microsoft.com/office/powerpoint/2010/main" xmlns:a14="http://schemas.microsoft.com/office/drawing/2010/main" w="9525">
                     <a:solidFill>
                       <a:srgbClr val="000000"/>
                     </a:solidFill>
@@ -25754,7 +25919,7 @@
               </a:ln>
               <a:extLst>
                 <a:ext uri="{91240B29-F687-4f45-9708-019B960494DF}">
-                  <a14:hiddenLine xmlns:a14="http://schemas.microsoft.com/office/drawing/2010/main" xmlns:p14="http://schemas.microsoft.com/office/powerpoint/2010/main" xmlns:a16="http://schemas.microsoft.com/office/drawing/2014/main" xmlns="" w="9525">
+                  <a14:hiddenLine xmlns="" xmlns:a16="http://schemas.microsoft.com/office/drawing/2014/main" xmlns:p14="http://schemas.microsoft.com/office/powerpoint/2010/main" xmlns:a14="http://schemas.microsoft.com/office/drawing/2010/main" w="9525">
                     <a:solidFill>
                       <a:srgbClr val="000000"/>
                     </a:solidFill>
@@ -25859,7 +26024,7 @@
               </a:ln>
               <a:extLst>
                 <a:ext uri="{91240B29-F687-4f45-9708-019B960494DF}">
-                  <a14:hiddenLine xmlns:a14="http://schemas.microsoft.com/office/drawing/2010/main" xmlns:p14="http://schemas.microsoft.com/office/powerpoint/2010/main" xmlns:a16="http://schemas.microsoft.com/office/drawing/2014/main" xmlns="" w="9525">
+                  <a14:hiddenLine xmlns="" xmlns:a16="http://schemas.microsoft.com/office/drawing/2014/main" xmlns:p14="http://schemas.microsoft.com/office/powerpoint/2010/main" xmlns:a14="http://schemas.microsoft.com/office/drawing/2010/main" w="9525">
                     <a:solidFill>
                       <a:srgbClr val="000000"/>
                     </a:solidFill>
@@ -25964,7 +26129,7 @@
               </a:ln>
               <a:extLst>
                 <a:ext uri="{91240B29-F687-4f45-9708-019B960494DF}">
-                  <a14:hiddenLine xmlns:a14="http://schemas.microsoft.com/office/drawing/2010/main" xmlns:p14="http://schemas.microsoft.com/office/powerpoint/2010/main" xmlns:a16="http://schemas.microsoft.com/office/drawing/2014/main" xmlns="" w="9525">
+                  <a14:hiddenLine xmlns="" xmlns:a16="http://schemas.microsoft.com/office/drawing/2014/main" xmlns:p14="http://schemas.microsoft.com/office/powerpoint/2010/main" xmlns:a14="http://schemas.microsoft.com/office/drawing/2010/main" w="9525">
                     <a:solidFill>
                       <a:srgbClr val="000000"/>
                     </a:solidFill>
@@ -26041,7 +26206,7 @@
               </a:ln>
               <a:extLst>
                 <a:ext uri="{91240B29-F687-4f45-9708-019B960494DF}">
-                  <a14:hiddenLine xmlns:a14="http://schemas.microsoft.com/office/drawing/2010/main" xmlns:p14="http://schemas.microsoft.com/office/powerpoint/2010/main" xmlns:a16="http://schemas.microsoft.com/office/drawing/2014/main" xmlns="" w="9525">
+                  <a14:hiddenLine xmlns="" xmlns:a16="http://schemas.microsoft.com/office/drawing/2014/main" xmlns:p14="http://schemas.microsoft.com/office/powerpoint/2010/main" xmlns:a14="http://schemas.microsoft.com/office/drawing/2010/main" w="9525">
                     <a:solidFill>
                       <a:srgbClr val="000000"/>
                     </a:solidFill>
@@ -26166,7 +26331,7 @@
               </a:ln>
               <a:extLst>
                 <a:ext uri="{91240B29-F687-4f45-9708-019B960494DF}">
-                  <a14:hiddenLine xmlns:a14="http://schemas.microsoft.com/office/drawing/2010/main" xmlns:p14="http://schemas.microsoft.com/office/powerpoint/2010/main" xmlns:a16="http://schemas.microsoft.com/office/drawing/2014/main" xmlns="" w="9525">
+                  <a14:hiddenLine xmlns="" xmlns:a16="http://schemas.microsoft.com/office/drawing/2014/main" xmlns:p14="http://schemas.microsoft.com/office/powerpoint/2010/main" xmlns:a14="http://schemas.microsoft.com/office/drawing/2010/main" w="9525">
                     <a:solidFill>
                       <a:srgbClr val="000000"/>
                     </a:solidFill>
@@ -26280,7 +26445,7 @@
               </a:ln>
               <a:extLst>
                 <a:ext uri="{91240B29-F687-4f45-9708-019B960494DF}">
-                  <a14:hiddenLine xmlns:a14="http://schemas.microsoft.com/office/drawing/2010/main" xmlns:p14="http://schemas.microsoft.com/office/powerpoint/2010/main" xmlns:a16="http://schemas.microsoft.com/office/drawing/2014/main" xmlns="" w="9525">
+                  <a14:hiddenLine xmlns="" xmlns:a16="http://schemas.microsoft.com/office/drawing/2014/main" xmlns:p14="http://schemas.microsoft.com/office/powerpoint/2010/main" xmlns:a14="http://schemas.microsoft.com/office/drawing/2010/main" w="9525">
                     <a:solidFill>
                       <a:srgbClr val="000000"/>
                     </a:solidFill>
@@ -26357,7 +26522,7 @@
               </a:ln>
               <a:extLst>
                 <a:ext uri="{91240B29-F687-4f45-9708-019B960494DF}">
-                  <a14:hiddenLine xmlns:a14="http://schemas.microsoft.com/office/drawing/2010/main" xmlns:p14="http://schemas.microsoft.com/office/powerpoint/2010/main" xmlns:a16="http://schemas.microsoft.com/office/drawing/2014/main" xmlns="" w="9525">
+                  <a14:hiddenLine xmlns="" xmlns:a16="http://schemas.microsoft.com/office/drawing/2014/main" xmlns:p14="http://schemas.microsoft.com/office/powerpoint/2010/main" xmlns:a14="http://schemas.microsoft.com/office/drawing/2010/main" w="9525">
                     <a:solidFill>
                       <a:srgbClr val="000000"/>
                     </a:solidFill>
@@ -26434,7 +26599,7 @@
               </a:ln>
               <a:extLst>
                 <a:ext uri="{91240B29-F687-4f45-9708-019B960494DF}">
-                  <a14:hiddenLine xmlns:a14="http://schemas.microsoft.com/office/drawing/2010/main" xmlns:p14="http://schemas.microsoft.com/office/powerpoint/2010/main" xmlns:a16="http://schemas.microsoft.com/office/drawing/2014/main" xmlns="" w="9525">
+                  <a14:hiddenLine xmlns="" xmlns:a16="http://schemas.microsoft.com/office/drawing/2014/main" xmlns:p14="http://schemas.microsoft.com/office/powerpoint/2010/main" xmlns:a14="http://schemas.microsoft.com/office/drawing/2010/main" w="9525">
                     <a:solidFill>
                       <a:srgbClr val="000000"/>
                     </a:solidFill>
@@ -26539,7 +26704,7 @@
               </a:ln>
               <a:extLst>
                 <a:ext uri="{91240B29-F687-4f45-9708-019B960494DF}">
-                  <a14:hiddenLine xmlns:a14="http://schemas.microsoft.com/office/drawing/2010/main" xmlns:p14="http://schemas.microsoft.com/office/powerpoint/2010/main" xmlns:a16="http://schemas.microsoft.com/office/drawing/2014/main" xmlns="" w="9525">
+                  <a14:hiddenLine xmlns="" xmlns:a16="http://schemas.microsoft.com/office/drawing/2014/main" xmlns:p14="http://schemas.microsoft.com/office/powerpoint/2010/main" xmlns:a14="http://schemas.microsoft.com/office/drawing/2010/main" w="9525">
                     <a:solidFill>
                       <a:srgbClr val="000000"/>
                     </a:solidFill>
@@ -26588,7 +26753,7 @@
               </a:ln>
               <a:extLst>
                 <a:ext uri="{91240B29-F687-4f45-9708-019B960494DF}">
-                  <a14:hiddenLine xmlns:a14="http://schemas.microsoft.com/office/drawing/2010/main" xmlns:p14="http://schemas.microsoft.com/office/powerpoint/2010/main" xmlns:a16="http://schemas.microsoft.com/office/drawing/2014/main" xmlns="" w="9525">
+                  <a14:hiddenLine xmlns="" xmlns:a16="http://schemas.microsoft.com/office/drawing/2014/main" xmlns:p14="http://schemas.microsoft.com/office/powerpoint/2010/main" xmlns:a14="http://schemas.microsoft.com/office/drawing/2010/main" w="9525">
                     <a:solidFill>
                       <a:srgbClr val="000000"/>
                     </a:solidFill>
@@ -26668,7 +26833,7 @@
               </a:ln>
               <a:extLst>
                 <a:ext uri="{91240B29-F687-4f45-9708-019B960494DF}">
-                  <a14:hiddenLine xmlns:a14="http://schemas.microsoft.com/office/drawing/2010/main" xmlns:p14="http://schemas.microsoft.com/office/powerpoint/2010/main" xmlns:a16="http://schemas.microsoft.com/office/drawing/2014/main" xmlns="" w="9525">
+                  <a14:hiddenLine xmlns="" xmlns:a16="http://schemas.microsoft.com/office/drawing/2014/main" xmlns:p14="http://schemas.microsoft.com/office/powerpoint/2010/main" xmlns:a14="http://schemas.microsoft.com/office/drawing/2010/main" w="9525">
                     <a:solidFill>
                       <a:srgbClr val="000000"/>
                     </a:solidFill>
@@ -26773,7 +26938,7 @@
               </a:ln>
               <a:extLst>
                 <a:ext uri="{91240B29-F687-4f45-9708-019B960494DF}">
-                  <a14:hiddenLine xmlns:a14="http://schemas.microsoft.com/office/drawing/2010/main" xmlns:p14="http://schemas.microsoft.com/office/powerpoint/2010/main" xmlns:a16="http://schemas.microsoft.com/office/drawing/2014/main" xmlns="" w="9525">
+                  <a14:hiddenLine xmlns="" xmlns:a16="http://schemas.microsoft.com/office/drawing/2014/main" xmlns:p14="http://schemas.microsoft.com/office/powerpoint/2010/main" xmlns:a14="http://schemas.microsoft.com/office/drawing/2010/main" w="9525">
                     <a:solidFill>
                       <a:srgbClr val="000000"/>
                     </a:solidFill>
@@ -26850,7 +27015,7 @@
               </a:ln>
               <a:extLst>
                 <a:ext uri="{91240B29-F687-4f45-9708-019B960494DF}">
-                  <a14:hiddenLine xmlns:a14="http://schemas.microsoft.com/office/drawing/2010/main" xmlns:p14="http://schemas.microsoft.com/office/powerpoint/2010/main" xmlns:a16="http://schemas.microsoft.com/office/drawing/2014/main" xmlns="" w="9525">
+                  <a14:hiddenLine xmlns="" xmlns:a16="http://schemas.microsoft.com/office/drawing/2014/main" xmlns:p14="http://schemas.microsoft.com/office/powerpoint/2010/main" xmlns:a14="http://schemas.microsoft.com/office/drawing/2010/main" w="9525">
                     <a:solidFill>
                       <a:srgbClr val="000000"/>
                     </a:solidFill>
@@ -26955,7 +27120,7 @@
               </a:ln>
               <a:extLst>
                 <a:ext uri="{91240B29-F687-4f45-9708-019B960494DF}">
-                  <a14:hiddenLine xmlns:a14="http://schemas.microsoft.com/office/drawing/2010/main" xmlns:p14="http://schemas.microsoft.com/office/powerpoint/2010/main" xmlns:a16="http://schemas.microsoft.com/office/drawing/2014/main" xmlns="" w="9525">
+                  <a14:hiddenLine xmlns="" xmlns:a16="http://schemas.microsoft.com/office/drawing/2014/main" xmlns:p14="http://schemas.microsoft.com/office/powerpoint/2010/main" xmlns:a14="http://schemas.microsoft.com/office/drawing/2010/main" w="9525">
                     <a:solidFill>
                       <a:srgbClr val="000000"/>
                     </a:solidFill>
@@ -27035,7 +27200,7 @@
               </a:ln>
               <a:extLst>
                 <a:ext uri="{91240B29-F687-4f45-9708-019B960494DF}">
-                  <a14:hiddenLine xmlns:a14="http://schemas.microsoft.com/office/drawing/2010/main" xmlns:p14="http://schemas.microsoft.com/office/powerpoint/2010/main" xmlns:a16="http://schemas.microsoft.com/office/drawing/2014/main" xmlns="" w="9525">
+                  <a14:hiddenLine xmlns="" xmlns:a16="http://schemas.microsoft.com/office/drawing/2014/main" xmlns:p14="http://schemas.microsoft.com/office/powerpoint/2010/main" xmlns:a14="http://schemas.microsoft.com/office/drawing/2010/main" w="9525">
                     <a:solidFill>
                       <a:srgbClr val="000000"/>
                     </a:solidFill>
@@ -27112,7 +27277,7 @@
               </a:ln>
               <a:extLst>
                 <a:ext uri="{91240B29-F687-4f45-9708-019B960494DF}">
-                  <a14:hiddenLine xmlns:a14="http://schemas.microsoft.com/office/drawing/2010/main" xmlns:p14="http://schemas.microsoft.com/office/powerpoint/2010/main" xmlns:a16="http://schemas.microsoft.com/office/drawing/2014/main" xmlns="" w="9525">
+                  <a14:hiddenLine xmlns="" xmlns:a16="http://schemas.microsoft.com/office/drawing/2014/main" xmlns:p14="http://schemas.microsoft.com/office/powerpoint/2010/main" xmlns:a14="http://schemas.microsoft.com/office/drawing/2010/main" w="9525">
                     <a:solidFill>
                       <a:srgbClr val="000000"/>
                     </a:solidFill>
@@ -27217,7 +27382,7 @@
               </a:ln>
               <a:extLst>
                 <a:ext uri="{91240B29-F687-4f45-9708-019B960494DF}">
-                  <a14:hiddenLine xmlns:a14="http://schemas.microsoft.com/office/drawing/2010/main" xmlns:p14="http://schemas.microsoft.com/office/powerpoint/2010/main" xmlns:a16="http://schemas.microsoft.com/office/drawing/2014/main" xmlns="" w="9525">
+                  <a14:hiddenLine xmlns="" xmlns:a16="http://schemas.microsoft.com/office/drawing/2014/main" xmlns:p14="http://schemas.microsoft.com/office/powerpoint/2010/main" xmlns:a14="http://schemas.microsoft.com/office/drawing/2010/main" w="9525">
                     <a:solidFill>
                       <a:srgbClr val="000000"/>
                     </a:solidFill>
@@ -27322,7 +27487,7 @@
               </a:ln>
               <a:extLst>
                 <a:ext uri="{91240B29-F687-4f45-9708-019B960494DF}">
-                  <a14:hiddenLine xmlns:a14="http://schemas.microsoft.com/office/drawing/2010/main" xmlns:p14="http://schemas.microsoft.com/office/powerpoint/2010/main" xmlns:a16="http://schemas.microsoft.com/office/drawing/2014/main" xmlns="" w="9525">
+                  <a14:hiddenLine xmlns="" xmlns:a16="http://schemas.microsoft.com/office/drawing/2014/main" xmlns:p14="http://schemas.microsoft.com/office/powerpoint/2010/main" xmlns:a14="http://schemas.microsoft.com/office/drawing/2010/main" w="9525">
                     <a:solidFill>
                       <a:srgbClr val="000000"/>
                     </a:solidFill>
@@ -27402,7 +27567,7 @@
               </a:ln>
               <a:extLst>
                 <a:ext uri="{91240B29-F687-4f45-9708-019B960494DF}">
-                  <a14:hiddenLine xmlns:a14="http://schemas.microsoft.com/office/drawing/2010/main" xmlns:p14="http://schemas.microsoft.com/office/powerpoint/2010/main" xmlns:a16="http://schemas.microsoft.com/office/drawing/2014/main" xmlns="" w="9525">
+                  <a14:hiddenLine xmlns="" xmlns:a16="http://schemas.microsoft.com/office/drawing/2014/main" xmlns:p14="http://schemas.microsoft.com/office/powerpoint/2010/main" xmlns:a14="http://schemas.microsoft.com/office/drawing/2010/main" w="9525">
                     <a:solidFill>
                       <a:srgbClr val="000000"/>
                     </a:solidFill>
@@ -27537,7 +27702,7 @@
               </a:ln>
               <a:extLst>
                 <a:ext uri="{91240B29-F687-4f45-9708-019B960494DF}">
-                  <a14:hiddenLine xmlns:a14="http://schemas.microsoft.com/office/drawing/2010/main" xmlns:p14="http://schemas.microsoft.com/office/powerpoint/2010/main" xmlns:a16="http://schemas.microsoft.com/office/drawing/2014/main" xmlns="" w="9525">
+                  <a14:hiddenLine xmlns="" xmlns:a16="http://schemas.microsoft.com/office/drawing/2014/main" xmlns:p14="http://schemas.microsoft.com/office/powerpoint/2010/main" xmlns:a14="http://schemas.microsoft.com/office/drawing/2010/main" w="9525">
                     <a:solidFill>
                       <a:srgbClr val="000000"/>
                     </a:solidFill>
@@ -27662,7 +27827,7 @@
               </a:ln>
               <a:extLst>
                 <a:ext uri="{91240B29-F687-4f45-9708-019B960494DF}">
-                  <a14:hiddenLine xmlns:a14="http://schemas.microsoft.com/office/drawing/2010/main" xmlns:p14="http://schemas.microsoft.com/office/powerpoint/2010/main" xmlns:a16="http://schemas.microsoft.com/office/drawing/2014/main" xmlns="" w="9525">
+                  <a14:hiddenLine xmlns="" xmlns:a16="http://schemas.microsoft.com/office/drawing/2014/main" xmlns:p14="http://schemas.microsoft.com/office/powerpoint/2010/main" xmlns:a14="http://schemas.microsoft.com/office/drawing/2010/main" w="9525">
                     <a:solidFill>
                       <a:srgbClr val="000000"/>
                     </a:solidFill>
@@ -27792,7 +27957,7 @@
               </a:ln>
               <a:extLst>
                 <a:ext uri="{91240B29-F687-4f45-9708-019B960494DF}">
-                  <a14:hiddenLine xmlns:a14="http://schemas.microsoft.com/office/drawing/2010/main" xmlns:p14="http://schemas.microsoft.com/office/powerpoint/2010/main" xmlns:a16="http://schemas.microsoft.com/office/drawing/2014/main" xmlns="" w="9525">
+                  <a14:hiddenLine xmlns="" xmlns:a16="http://schemas.microsoft.com/office/drawing/2014/main" xmlns:p14="http://schemas.microsoft.com/office/powerpoint/2010/main" xmlns:a14="http://schemas.microsoft.com/office/drawing/2010/main" w="9525">
                     <a:solidFill>
                       <a:srgbClr val="000000"/>
                     </a:solidFill>
@@ -27897,7 +28062,7 @@
               </a:ln>
               <a:extLst>
                 <a:ext uri="{91240B29-F687-4f45-9708-019B960494DF}">
-                  <a14:hiddenLine xmlns:a14="http://schemas.microsoft.com/office/drawing/2010/main" xmlns:p14="http://schemas.microsoft.com/office/powerpoint/2010/main" xmlns:a16="http://schemas.microsoft.com/office/drawing/2014/main" xmlns="" w="9525">
+                  <a14:hiddenLine xmlns="" xmlns:a16="http://schemas.microsoft.com/office/drawing/2014/main" xmlns:p14="http://schemas.microsoft.com/office/powerpoint/2010/main" xmlns:a14="http://schemas.microsoft.com/office/drawing/2010/main" w="9525">
                     <a:solidFill>
                       <a:srgbClr val="000000"/>
                     </a:solidFill>
@@ -27977,7 +28142,7 @@
               </a:ln>
               <a:extLst>
                 <a:ext uri="{91240B29-F687-4f45-9708-019B960494DF}">
-                  <a14:hiddenLine xmlns:a14="http://schemas.microsoft.com/office/drawing/2010/main" xmlns:p14="http://schemas.microsoft.com/office/powerpoint/2010/main" xmlns:a16="http://schemas.microsoft.com/office/drawing/2014/main" xmlns="" w="9525">
+                  <a14:hiddenLine xmlns="" xmlns:a16="http://schemas.microsoft.com/office/drawing/2014/main" xmlns:p14="http://schemas.microsoft.com/office/powerpoint/2010/main" xmlns:a14="http://schemas.microsoft.com/office/drawing/2010/main" w="9525">
                     <a:solidFill>
                       <a:srgbClr val="000000"/>
                     </a:solidFill>
@@ -28082,7 +28247,7 @@
               </a:ln>
               <a:extLst>
                 <a:ext uri="{91240B29-F687-4f45-9708-019B960494DF}">
-                  <a14:hiddenLine xmlns:a14="http://schemas.microsoft.com/office/drawing/2010/main" xmlns:p14="http://schemas.microsoft.com/office/powerpoint/2010/main" xmlns:a16="http://schemas.microsoft.com/office/drawing/2014/main" xmlns="" w="9525">
+                  <a14:hiddenLine xmlns="" xmlns:a16="http://schemas.microsoft.com/office/drawing/2014/main" xmlns:p14="http://schemas.microsoft.com/office/powerpoint/2010/main" xmlns:a14="http://schemas.microsoft.com/office/drawing/2010/main" w="9525">
                     <a:solidFill>
                       <a:srgbClr val="000000"/>
                     </a:solidFill>
@@ -28165,7 +28330,7 @@
               </a:ln>
               <a:extLst>
                 <a:ext uri="{91240B29-F687-4f45-9708-019B960494DF}">
-                  <a14:hiddenLine xmlns:a14="http://schemas.microsoft.com/office/drawing/2010/main" xmlns:p14="http://schemas.microsoft.com/office/powerpoint/2010/main" xmlns:a16="http://schemas.microsoft.com/office/drawing/2014/main" xmlns="" w="9525">
+                  <a14:hiddenLine xmlns="" xmlns:a16="http://schemas.microsoft.com/office/drawing/2014/main" xmlns:p14="http://schemas.microsoft.com/office/powerpoint/2010/main" xmlns:a14="http://schemas.microsoft.com/office/drawing/2010/main" w="9525">
                     <a:solidFill>
                       <a:srgbClr val="000000"/>
                     </a:solidFill>
@@ -28270,7 +28435,7 @@
               </a:ln>
               <a:extLst>
                 <a:ext uri="{91240B29-F687-4f45-9708-019B960494DF}">
-                  <a14:hiddenLine xmlns:a14="http://schemas.microsoft.com/office/drawing/2010/main" xmlns:p14="http://schemas.microsoft.com/office/powerpoint/2010/main" xmlns:a16="http://schemas.microsoft.com/office/drawing/2014/main" xmlns="" w="9525">
+                  <a14:hiddenLine xmlns="" xmlns:a16="http://schemas.microsoft.com/office/drawing/2014/main" xmlns:p14="http://schemas.microsoft.com/office/powerpoint/2010/main" xmlns:a14="http://schemas.microsoft.com/office/drawing/2010/main" w="9525">
                     <a:solidFill>
                       <a:srgbClr val="000000"/>
                     </a:solidFill>
@@ -28353,7 +28518,7 @@
               </a:ln>
               <a:extLst>
                 <a:ext uri="{91240B29-F687-4f45-9708-019B960494DF}">
-                  <a14:hiddenLine xmlns:a14="http://schemas.microsoft.com/office/drawing/2010/main" xmlns:p14="http://schemas.microsoft.com/office/powerpoint/2010/main" xmlns:a16="http://schemas.microsoft.com/office/drawing/2014/main" xmlns="" w="9525">
+                  <a14:hiddenLine xmlns="" xmlns:a16="http://schemas.microsoft.com/office/drawing/2014/main" xmlns:p14="http://schemas.microsoft.com/office/powerpoint/2010/main" xmlns:a14="http://schemas.microsoft.com/office/drawing/2010/main" w="9525">
                     <a:solidFill>
                       <a:srgbClr val="000000"/>
                     </a:solidFill>
@@ -28458,7 +28623,7 @@
               </a:ln>
               <a:extLst>
                 <a:ext uri="{91240B29-F687-4f45-9708-019B960494DF}">
-                  <a14:hiddenLine xmlns:a14="http://schemas.microsoft.com/office/drawing/2010/main" xmlns:p14="http://schemas.microsoft.com/office/powerpoint/2010/main" xmlns:a16="http://schemas.microsoft.com/office/drawing/2014/main" xmlns="" w="9525">
+                  <a14:hiddenLine xmlns="" xmlns:a16="http://schemas.microsoft.com/office/drawing/2014/main" xmlns:p14="http://schemas.microsoft.com/office/powerpoint/2010/main" xmlns:a14="http://schemas.microsoft.com/office/drawing/2010/main" w="9525">
                     <a:solidFill>
                       <a:srgbClr val="000000"/>
                     </a:solidFill>
@@ -28507,7 +28672,7 @@
               </a:ln>
               <a:extLst>
                 <a:ext uri="{91240B29-F687-4f45-9708-019B960494DF}">
-                  <a14:hiddenLine xmlns:a14="http://schemas.microsoft.com/office/drawing/2010/main" xmlns:p14="http://schemas.microsoft.com/office/powerpoint/2010/main" xmlns:a16="http://schemas.microsoft.com/office/drawing/2014/main" xmlns="" w="9525">
+                  <a14:hiddenLine xmlns="" xmlns:a16="http://schemas.microsoft.com/office/drawing/2014/main" xmlns:p14="http://schemas.microsoft.com/office/powerpoint/2010/main" xmlns:a14="http://schemas.microsoft.com/office/drawing/2010/main" w="9525">
                     <a:solidFill>
                       <a:srgbClr val="000000"/>
                     </a:solidFill>
@@ -28569,7 +28734,7 @@
           <a:noFill/>
           <a:extLst>
             <a:ext uri="{909E8E84-426E-40dd-AFC4-6F175D3DCCD1}">
-              <a14:hiddenFill xmlns:a14="http://schemas.microsoft.com/office/drawing/2010/main" xmlns:p14="http://schemas.microsoft.com/office/powerpoint/2010/main" xmlns:a16="http://schemas.microsoft.com/office/drawing/2014/main" xmlns="">
+              <a14:hiddenFill xmlns="" xmlns:a16="http://schemas.microsoft.com/office/drawing/2014/main" xmlns:p14="http://schemas.microsoft.com/office/powerpoint/2010/main" xmlns:a14="http://schemas.microsoft.com/office/drawing/2010/main">
                 <a:solidFill>
                   <a:srgbClr val="FFFFFF"/>
                 </a:solidFill>
@@ -29107,7 +29272,7 @@
           </a:prstGeom>
           <a:extLst>
             <a:ext uri="{909E8E84-426E-40dd-AFC4-6F175D3DCCD1}">
-              <a14:hiddenFill xmlns:a14="http://schemas.microsoft.com/office/drawing/2010/main" xmlns:p14="http://schemas.microsoft.com/office/powerpoint/2010/main" xmlns:a16="http://schemas.microsoft.com/office/drawing/2014/main" xmlns="">
+              <a14:hiddenFill xmlns="" xmlns:a16="http://schemas.microsoft.com/office/drawing/2014/main" xmlns:p14="http://schemas.microsoft.com/office/powerpoint/2010/main" xmlns:a14="http://schemas.microsoft.com/office/drawing/2010/main">
                 <a:solidFill>
                   <a:srgbClr val="FFFFFF"/>
                 </a:solidFill>
@@ -29231,7 +29396,7 @@
           <a:noFill/>
           <a:extLst>
             <a:ext uri="{909E8E84-426E-40dd-AFC4-6F175D3DCCD1}">
-              <a14:hiddenFill xmlns:a14="http://schemas.microsoft.com/office/drawing/2010/main" xmlns:p14="http://schemas.microsoft.com/office/powerpoint/2010/main" xmlns:a16="http://schemas.microsoft.com/office/drawing/2014/main" xmlns="">
+              <a14:hiddenFill xmlns="" xmlns:a16="http://schemas.microsoft.com/office/drawing/2014/main" xmlns:p14="http://schemas.microsoft.com/office/powerpoint/2010/main" xmlns:a14="http://schemas.microsoft.com/office/drawing/2010/main">
                 <a:solidFill>
                   <a:srgbClr val="FFFFFF"/>
                 </a:solidFill>
@@ -29421,7 +29586,7 @@
             </a:ln>
             <a:extLst>
               <a:ext uri="{91240B29-F687-4f45-9708-019B960494DF}">
-                <a14:hiddenLine xmlns:a14="http://schemas.microsoft.com/office/drawing/2010/main" xmlns:p14="http://schemas.microsoft.com/office/powerpoint/2010/main" xmlns:a16="http://schemas.microsoft.com/office/drawing/2014/main" xmlns="" w="9525">
+                <a14:hiddenLine xmlns="" xmlns:a16="http://schemas.microsoft.com/office/drawing/2014/main" xmlns:p14="http://schemas.microsoft.com/office/powerpoint/2010/main" xmlns:a14="http://schemas.microsoft.com/office/drawing/2010/main" w="9525">
                   <a:solidFill>
                     <a:srgbClr val="000000"/>
                   </a:solidFill>
@@ -29526,7 +29691,7 @@
             </a:ln>
             <a:extLst>
               <a:ext uri="{91240B29-F687-4f45-9708-019B960494DF}">
-                <a14:hiddenLine xmlns:a14="http://schemas.microsoft.com/office/drawing/2010/main" xmlns:p14="http://schemas.microsoft.com/office/powerpoint/2010/main" xmlns:a16="http://schemas.microsoft.com/office/drawing/2014/main" xmlns="" w="9525">
+                <a14:hiddenLine xmlns="" xmlns:a16="http://schemas.microsoft.com/office/drawing/2014/main" xmlns:p14="http://schemas.microsoft.com/office/powerpoint/2010/main" xmlns:a14="http://schemas.microsoft.com/office/drawing/2010/main" w="9525">
                   <a:solidFill>
                     <a:srgbClr val="000000"/>
                   </a:solidFill>
@@ -29631,7 +29796,7 @@
             </a:ln>
             <a:extLst>
               <a:ext uri="{91240B29-F687-4f45-9708-019B960494DF}">
-                <a14:hiddenLine xmlns:a14="http://schemas.microsoft.com/office/drawing/2010/main" xmlns:p14="http://schemas.microsoft.com/office/powerpoint/2010/main" xmlns:a16="http://schemas.microsoft.com/office/drawing/2014/main" xmlns="" w="9525">
+                <a14:hiddenLine xmlns="" xmlns:a16="http://schemas.microsoft.com/office/drawing/2014/main" xmlns:p14="http://schemas.microsoft.com/office/powerpoint/2010/main" xmlns:a14="http://schemas.microsoft.com/office/drawing/2010/main" w="9525">
                   <a:solidFill>
                     <a:srgbClr val="000000"/>
                   </a:solidFill>
@@ -29708,7 +29873,7 @@
             </a:ln>
             <a:extLst>
               <a:ext uri="{91240B29-F687-4f45-9708-019B960494DF}">
-                <a14:hiddenLine xmlns:a14="http://schemas.microsoft.com/office/drawing/2010/main" xmlns:p14="http://schemas.microsoft.com/office/powerpoint/2010/main" xmlns:a16="http://schemas.microsoft.com/office/drawing/2014/main" xmlns="" w="9525">
+                <a14:hiddenLine xmlns="" xmlns:a16="http://schemas.microsoft.com/office/drawing/2014/main" xmlns:p14="http://schemas.microsoft.com/office/powerpoint/2010/main" xmlns:a14="http://schemas.microsoft.com/office/drawing/2010/main" w="9525">
                   <a:solidFill>
                     <a:srgbClr val="000000"/>
                   </a:solidFill>
@@ -29813,7 +29978,7 @@
             </a:ln>
             <a:extLst>
               <a:ext uri="{91240B29-F687-4f45-9708-019B960494DF}">
-                <a14:hiddenLine xmlns:a14="http://schemas.microsoft.com/office/drawing/2010/main" xmlns:p14="http://schemas.microsoft.com/office/powerpoint/2010/main" xmlns:a16="http://schemas.microsoft.com/office/drawing/2014/main" xmlns="" w="9525">
+                <a14:hiddenLine xmlns="" xmlns:a16="http://schemas.microsoft.com/office/drawing/2014/main" xmlns:p14="http://schemas.microsoft.com/office/powerpoint/2010/main" xmlns:a14="http://schemas.microsoft.com/office/drawing/2010/main" w="9525">
                   <a:solidFill>
                     <a:srgbClr val="000000"/>
                   </a:solidFill>
@@ -29890,7 +30055,7 @@
             </a:ln>
             <a:extLst>
               <a:ext uri="{91240B29-F687-4f45-9708-019B960494DF}">
-                <a14:hiddenLine xmlns:a14="http://schemas.microsoft.com/office/drawing/2010/main" xmlns:p14="http://schemas.microsoft.com/office/powerpoint/2010/main" xmlns:a16="http://schemas.microsoft.com/office/drawing/2014/main" xmlns="" w="9525">
+                <a14:hiddenLine xmlns="" xmlns:a16="http://schemas.microsoft.com/office/drawing/2014/main" xmlns:p14="http://schemas.microsoft.com/office/powerpoint/2010/main" xmlns:a14="http://schemas.microsoft.com/office/drawing/2010/main" w="9525">
                   <a:solidFill>
                     <a:srgbClr val="000000"/>
                   </a:solidFill>
@@ -29967,7 +30132,7 @@
             </a:ln>
             <a:extLst>
               <a:ext uri="{91240B29-F687-4f45-9708-019B960494DF}">
-                <a14:hiddenLine xmlns:a14="http://schemas.microsoft.com/office/drawing/2010/main" xmlns:p14="http://schemas.microsoft.com/office/powerpoint/2010/main" xmlns:a16="http://schemas.microsoft.com/office/drawing/2014/main" xmlns="" w="9525">
+                <a14:hiddenLine xmlns="" xmlns:a16="http://schemas.microsoft.com/office/drawing/2014/main" xmlns:p14="http://schemas.microsoft.com/office/powerpoint/2010/main" xmlns:a14="http://schemas.microsoft.com/office/drawing/2010/main" w="9525">
                   <a:solidFill>
                     <a:srgbClr val="000000"/>
                   </a:solidFill>
@@ -30072,7 +30237,7 @@
             </a:ln>
             <a:extLst>
               <a:ext uri="{91240B29-F687-4f45-9708-019B960494DF}">
-                <a14:hiddenLine xmlns:a14="http://schemas.microsoft.com/office/drawing/2010/main" xmlns:p14="http://schemas.microsoft.com/office/powerpoint/2010/main" xmlns:a16="http://schemas.microsoft.com/office/drawing/2014/main" xmlns="" w="9525">
+                <a14:hiddenLine xmlns="" xmlns:a16="http://schemas.microsoft.com/office/drawing/2014/main" xmlns:p14="http://schemas.microsoft.com/office/powerpoint/2010/main" xmlns:a14="http://schemas.microsoft.com/office/drawing/2010/main" w="9525">
                   <a:solidFill>
                     <a:srgbClr val="000000"/>
                   </a:solidFill>
@@ -30177,7 +30342,7 @@
             </a:ln>
             <a:extLst>
               <a:ext uri="{91240B29-F687-4f45-9708-019B960494DF}">
-                <a14:hiddenLine xmlns:a14="http://schemas.microsoft.com/office/drawing/2010/main" xmlns:p14="http://schemas.microsoft.com/office/powerpoint/2010/main" xmlns:a16="http://schemas.microsoft.com/office/drawing/2014/main" xmlns="" w="9525">
+                <a14:hiddenLine xmlns="" xmlns:a16="http://schemas.microsoft.com/office/drawing/2014/main" xmlns:p14="http://schemas.microsoft.com/office/powerpoint/2010/main" xmlns:a14="http://schemas.microsoft.com/office/drawing/2010/main" w="9525">
                   <a:solidFill>
                     <a:srgbClr val="000000"/>
                   </a:solidFill>
@@ -30254,7 +30419,7 @@
             </a:ln>
             <a:extLst>
               <a:ext uri="{91240B29-F687-4f45-9708-019B960494DF}">
-                <a14:hiddenLine xmlns:a14="http://schemas.microsoft.com/office/drawing/2010/main" xmlns:p14="http://schemas.microsoft.com/office/powerpoint/2010/main" xmlns:a16="http://schemas.microsoft.com/office/drawing/2014/main" xmlns="" w="9525">
+                <a14:hiddenLine xmlns="" xmlns:a16="http://schemas.microsoft.com/office/drawing/2014/main" xmlns:p14="http://schemas.microsoft.com/office/powerpoint/2010/main" xmlns:a14="http://schemas.microsoft.com/office/drawing/2010/main" w="9525">
                   <a:solidFill>
                     <a:srgbClr val="000000"/>
                   </a:solidFill>
@@ -30379,7 +30544,7 @@
             </a:ln>
             <a:extLst>
               <a:ext uri="{91240B29-F687-4f45-9708-019B960494DF}">
-                <a14:hiddenLine xmlns:a14="http://schemas.microsoft.com/office/drawing/2010/main" xmlns:p14="http://schemas.microsoft.com/office/powerpoint/2010/main" xmlns:a16="http://schemas.microsoft.com/office/drawing/2014/main" xmlns="" w="9525">
+                <a14:hiddenLine xmlns="" xmlns:a16="http://schemas.microsoft.com/office/drawing/2014/main" xmlns:p14="http://schemas.microsoft.com/office/powerpoint/2010/main" xmlns:a14="http://schemas.microsoft.com/office/drawing/2010/main" w="9525">
                   <a:solidFill>
                     <a:srgbClr val="000000"/>
                   </a:solidFill>
@@ -30493,7 +30658,7 @@
             </a:ln>
             <a:extLst>
               <a:ext uri="{91240B29-F687-4f45-9708-019B960494DF}">
-                <a14:hiddenLine xmlns:a14="http://schemas.microsoft.com/office/drawing/2010/main" xmlns:p14="http://schemas.microsoft.com/office/powerpoint/2010/main" xmlns:a16="http://schemas.microsoft.com/office/drawing/2014/main" xmlns="" w="9525">
+                <a14:hiddenLine xmlns="" xmlns:a16="http://schemas.microsoft.com/office/drawing/2014/main" xmlns:p14="http://schemas.microsoft.com/office/powerpoint/2010/main" xmlns:a14="http://schemas.microsoft.com/office/drawing/2010/main" w="9525">
                   <a:solidFill>
                     <a:srgbClr val="000000"/>
                   </a:solidFill>
@@ -30570,7 +30735,7 @@
             </a:ln>
             <a:extLst>
               <a:ext uri="{91240B29-F687-4f45-9708-019B960494DF}">
-                <a14:hiddenLine xmlns:a14="http://schemas.microsoft.com/office/drawing/2010/main" xmlns:p14="http://schemas.microsoft.com/office/powerpoint/2010/main" xmlns:a16="http://schemas.microsoft.com/office/drawing/2014/main" xmlns="" w="9525">
+                <a14:hiddenLine xmlns="" xmlns:a16="http://schemas.microsoft.com/office/drawing/2014/main" xmlns:p14="http://schemas.microsoft.com/office/powerpoint/2010/main" xmlns:a14="http://schemas.microsoft.com/office/drawing/2010/main" w="9525">
                   <a:solidFill>
                     <a:srgbClr val="000000"/>
                   </a:solidFill>
@@ -30647,7 +30812,7 @@
             </a:ln>
             <a:extLst>
               <a:ext uri="{91240B29-F687-4f45-9708-019B960494DF}">
-                <a14:hiddenLine xmlns:a14="http://schemas.microsoft.com/office/drawing/2010/main" xmlns:p14="http://schemas.microsoft.com/office/powerpoint/2010/main" xmlns:a16="http://schemas.microsoft.com/office/drawing/2014/main" xmlns="" w="9525">
+                <a14:hiddenLine xmlns="" xmlns:a16="http://schemas.microsoft.com/office/drawing/2014/main" xmlns:p14="http://schemas.microsoft.com/office/powerpoint/2010/main" xmlns:a14="http://schemas.microsoft.com/office/drawing/2010/main" w="9525">
                   <a:solidFill>
                     <a:srgbClr val="000000"/>
                   </a:solidFill>
@@ -30752,7 +30917,7 @@
             </a:ln>
             <a:extLst>
               <a:ext uri="{91240B29-F687-4f45-9708-019B960494DF}">
-                <a14:hiddenLine xmlns:a14="http://schemas.microsoft.com/office/drawing/2010/main" xmlns:p14="http://schemas.microsoft.com/office/powerpoint/2010/main" xmlns:a16="http://schemas.microsoft.com/office/drawing/2014/main" xmlns="" w="9525">
+                <a14:hiddenLine xmlns="" xmlns:a16="http://schemas.microsoft.com/office/drawing/2014/main" xmlns:p14="http://schemas.microsoft.com/office/powerpoint/2010/main" xmlns:a14="http://schemas.microsoft.com/office/drawing/2010/main" w="9525">
                   <a:solidFill>
                     <a:srgbClr val="000000"/>
                   </a:solidFill>
@@ -30801,7 +30966,7 @@
             </a:ln>
             <a:extLst>
               <a:ext uri="{91240B29-F687-4f45-9708-019B960494DF}">
-                <a14:hiddenLine xmlns:a14="http://schemas.microsoft.com/office/drawing/2010/main" xmlns:p14="http://schemas.microsoft.com/office/powerpoint/2010/main" xmlns:a16="http://schemas.microsoft.com/office/drawing/2014/main" xmlns="" w="9525">
+                <a14:hiddenLine xmlns="" xmlns:a16="http://schemas.microsoft.com/office/drawing/2014/main" xmlns:p14="http://schemas.microsoft.com/office/powerpoint/2010/main" xmlns:a14="http://schemas.microsoft.com/office/drawing/2010/main" w="9525">
                   <a:solidFill>
                     <a:srgbClr val="000000"/>
                   </a:solidFill>
@@ -30881,7 +31046,7 @@
             </a:ln>
             <a:extLst>
               <a:ext uri="{91240B29-F687-4f45-9708-019B960494DF}">
-                <a14:hiddenLine xmlns:a14="http://schemas.microsoft.com/office/drawing/2010/main" xmlns:p14="http://schemas.microsoft.com/office/powerpoint/2010/main" xmlns:a16="http://schemas.microsoft.com/office/drawing/2014/main" xmlns="" w="9525">
+                <a14:hiddenLine xmlns="" xmlns:a16="http://schemas.microsoft.com/office/drawing/2014/main" xmlns:p14="http://schemas.microsoft.com/office/powerpoint/2010/main" xmlns:a14="http://schemas.microsoft.com/office/drawing/2010/main" w="9525">
                   <a:solidFill>
                     <a:srgbClr val="000000"/>
                   </a:solidFill>
@@ -30986,7 +31151,7 @@
             </a:ln>
             <a:extLst>
               <a:ext uri="{91240B29-F687-4f45-9708-019B960494DF}">
-                <a14:hiddenLine xmlns:a14="http://schemas.microsoft.com/office/drawing/2010/main" xmlns:p14="http://schemas.microsoft.com/office/powerpoint/2010/main" xmlns:a16="http://schemas.microsoft.com/office/drawing/2014/main" xmlns="" w="9525">
+                <a14:hiddenLine xmlns="" xmlns:a16="http://schemas.microsoft.com/office/drawing/2014/main" xmlns:p14="http://schemas.microsoft.com/office/powerpoint/2010/main" xmlns:a14="http://schemas.microsoft.com/office/drawing/2010/main" w="9525">
                   <a:solidFill>
                     <a:srgbClr val="000000"/>
                   </a:solidFill>
@@ -31063,7 +31228,7 @@
             </a:ln>
             <a:extLst>
               <a:ext uri="{91240B29-F687-4f45-9708-019B960494DF}">
-                <a14:hiddenLine xmlns:a14="http://schemas.microsoft.com/office/drawing/2010/main" xmlns:p14="http://schemas.microsoft.com/office/powerpoint/2010/main" xmlns:a16="http://schemas.microsoft.com/office/drawing/2014/main" xmlns="" w="9525">
+                <a14:hiddenLine xmlns="" xmlns:a16="http://schemas.microsoft.com/office/drawing/2014/main" xmlns:p14="http://schemas.microsoft.com/office/powerpoint/2010/main" xmlns:a14="http://schemas.microsoft.com/office/drawing/2010/main" w="9525">
                   <a:solidFill>
                     <a:srgbClr val="000000"/>
                   </a:solidFill>
@@ -31168,7 +31333,7 @@
             </a:ln>
             <a:extLst>
               <a:ext uri="{91240B29-F687-4f45-9708-019B960494DF}">
-                <a14:hiddenLine xmlns:a14="http://schemas.microsoft.com/office/drawing/2010/main" xmlns:p14="http://schemas.microsoft.com/office/powerpoint/2010/main" xmlns:a16="http://schemas.microsoft.com/office/drawing/2014/main" xmlns="" w="9525">
+                <a14:hiddenLine xmlns="" xmlns:a16="http://schemas.microsoft.com/office/drawing/2014/main" xmlns:p14="http://schemas.microsoft.com/office/powerpoint/2010/main" xmlns:a14="http://schemas.microsoft.com/office/drawing/2010/main" w="9525">
                   <a:solidFill>
                     <a:srgbClr val="000000"/>
                   </a:solidFill>
@@ -31248,7 +31413,7 @@
             </a:ln>
             <a:extLst>
               <a:ext uri="{91240B29-F687-4f45-9708-019B960494DF}">
-                <a14:hiddenLine xmlns:a14="http://schemas.microsoft.com/office/drawing/2010/main" xmlns:p14="http://schemas.microsoft.com/office/powerpoint/2010/main" xmlns:a16="http://schemas.microsoft.com/office/drawing/2014/main" xmlns="" w="9525">
+                <a14:hiddenLine xmlns="" xmlns:a16="http://schemas.microsoft.com/office/drawing/2014/main" xmlns:p14="http://schemas.microsoft.com/office/powerpoint/2010/main" xmlns:a14="http://schemas.microsoft.com/office/drawing/2010/main" w="9525">
                   <a:solidFill>
                     <a:srgbClr val="000000"/>
                   </a:solidFill>
@@ -31325,7 +31490,7 @@
             </a:ln>
             <a:extLst>
               <a:ext uri="{91240B29-F687-4f45-9708-019B960494DF}">
-                <a14:hiddenLine xmlns:a14="http://schemas.microsoft.com/office/drawing/2010/main" xmlns:p14="http://schemas.microsoft.com/office/powerpoint/2010/main" xmlns:a16="http://schemas.microsoft.com/office/drawing/2014/main" xmlns="" w="9525">
+                <a14:hiddenLine xmlns="" xmlns:a16="http://schemas.microsoft.com/office/drawing/2014/main" xmlns:p14="http://schemas.microsoft.com/office/powerpoint/2010/main" xmlns:a14="http://schemas.microsoft.com/office/drawing/2010/main" w="9525">
                   <a:solidFill>
                     <a:srgbClr val="000000"/>
                   </a:solidFill>
@@ -31430,7 +31595,7 @@
             </a:ln>
             <a:extLst>
               <a:ext uri="{91240B29-F687-4f45-9708-019B960494DF}">
-                <a14:hiddenLine xmlns:a14="http://schemas.microsoft.com/office/drawing/2010/main" xmlns:p14="http://schemas.microsoft.com/office/powerpoint/2010/main" xmlns:a16="http://schemas.microsoft.com/office/drawing/2014/main" xmlns="" w="9525">
+                <a14:hiddenLine xmlns="" xmlns:a16="http://schemas.microsoft.com/office/drawing/2014/main" xmlns:p14="http://schemas.microsoft.com/office/powerpoint/2010/main" xmlns:a14="http://schemas.microsoft.com/office/drawing/2010/main" w="9525">
                   <a:solidFill>
                     <a:srgbClr val="000000"/>
                   </a:solidFill>
@@ -31535,7 +31700,7 @@
             </a:ln>
             <a:extLst>
               <a:ext uri="{91240B29-F687-4f45-9708-019B960494DF}">
-                <a14:hiddenLine xmlns:a14="http://schemas.microsoft.com/office/drawing/2010/main" xmlns:p14="http://schemas.microsoft.com/office/powerpoint/2010/main" xmlns:a16="http://schemas.microsoft.com/office/drawing/2014/main" xmlns="" w="9525">
+                <a14:hiddenLine xmlns="" xmlns:a16="http://schemas.microsoft.com/office/drawing/2014/main" xmlns:p14="http://schemas.microsoft.com/office/powerpoint/2010/main" xmlns:a14="http://schemas.microsoft.com/office/drawing/2010/main" w="9525">
                   <a:solidFill>
                     <a:srgbClr val="000000"/>
                   </a:solidFill>
@@ -31615,7 +31780,7 @@
             </a:ln>
             <a:extLst>
               <a:ext uri="{91240B29-F687-4f45-9708-019B960494DF}">
-                <a14:hiddenLine xmlns:a14="http://schemas.microsoft.com/office/drawing/2010/main" xmlns:p14="http://schemas.microsoft.com/office/powerpoint/2010/main" xmlns:a16="http://schemas.microsoft.com/office/drawing/2014/main" xmlns="" w="9525">
+                <a14:hiddenLine xmlns="" xmlns:a16="http://schemas.microsoft.com/office/drawing/2014/main" xmlns:p14="http://schemas.microsoft.com/office/powerpoint/2010/main" xmlns:a14="http://schemas.microsoft.com/office/drawing/2010/main" w="9525">
                   <a:solidFill>
                     <a:srgbClr val="000000"/>
                   </a:solidFill>
@@ -31750,7 +31915,7 @@
             </a:ln>
             <a:extLst>
               <a:ext uri="{91240B29-F687-4f45-9708-019B960494DF}">
-                <a14:hiddenLine xmlns:a14="http://schemas.microsoft.com/office/drawing/2010/main" xmlns:p14="http://schemas.microsoft.com/office/powerpoint/2010/main" xmlns:a16="http://schemas.microsoft.com/office/drawing/2014/main" xmlns="" w="9525">
+                <a14:hiddenLine xmlns="" xmlns:a16="http://schemas.microsoft.com/office/drawing/2014/main" xmlns:p14="http://schemas.microsoft.com/office/powerpoint/2010/main" xmlns:a14="http://schemas.microsoft.com/office/drawing/2010/main" w="9525">
                   <a:solidFill>
                     <a:srgbClr val="000000"/>
                   </a:solidFill>
